--- a/fyp/AUTOGENERATION OF 3D MODEL FROM ROOM IMAGES.pptx
+++ b/fyp/AUTOGENERATION OF 3D MODEL FROM ROOM IMAGES.pptx
@@ -7648,10 +7648,10 @@
           <p:cNvPr id="12" name="Rectangle 11">
             <a:extLst>
               <a:ext uri="{FF2B5EF4-FFF2-40B4-BE49-F238E27FC236}">
-                <a16:creationId xmlns:a16="http://schemas.microsoft.com/office/drawing/2014/main" id="{1FF9CEF5-A50D-4B8B-9852-D76F7037867E}"/>
+                <a16:creationId xmlns:a16="http://schemas.microsoft.com/office/drawing/2014/main" xmlns="" id="{1FF9CEF5-A50D-4B8B-9852-D76F7037867E}"/>
               </a:ext>
               <a:ext uri="{C183D7F6-B498-43B3-948B-1728B52AA6E4}">
-                <adec:decorative xmlns:adec="http://schemas.microsoft.com/office/drawing/2017/decorative" val="1"/>
+                <adec:decorative xmlns:adec="http://schemas.microsoft.com/office/drawing/2017/decorative" xmlns="" val="1"/>
               </a:ext>
             </a:extLst>
           </p:cNvPr>
@@ -7661,7 +7661,7 @@
           <p:nvPr>
             <p:extLst>
               <p:ext uri="{386F3935-93C4-4BCD-93E2-E3B085C9AB24}">
-                <p16:designElem xmlns:p16="http://schemas.microsoft.com/office/powerpoint/2015/main" val="1"/>
+                <p16:designElem xmlns:p16="http://schemas.microsoft.com/office/powerpoint/2015/main" xmlns="" val="1"/>
               </p:ext>
             </p:extLst>
           </p:nvPr>
@@ -7708,7 +7708,7 @@
           <p:cNvPr id="7" name="Picture 6">
             <a:extLst>
               <a:ext uri="{FF2B5EF4-FFF2-40B4-BE49-F238E27FC236}">
-                <a16:creationId xmlns:a16="http://schemas.microsoft.com/office/drawing/2014/main" id="{1AE838C9-87D8-493B-875B-C02B7A03A86F}"/>
+                <a16:creationId xmlns:a16="http://schemas.microsoft.com/office/drawing/2014/main" xmlns="" id="{1AE838C9-87D8-493B-875B-C02B7A03A86F}"/>
               </a:ext>
             </a:extLst>
           </p:cNvPr>
@@ -7739,7 +7739,7 @@
           <p:cNvPr id="2" name="Title 1">
             <a:extLst>
               <a:ext uri="{FF2B5EF4-FFF2-40B4-BE49-F238E27FC236}">
-                <a16:creationId xmlns:a16="http://schemas.microsoft.com/office/drawing/2014/main" id="{63A912D1-813C-4FD6-97D4-DAE0D6BD8436}"/>
+                <a16:creationId xmlns:a16="http://schemas.microsoft.com/office/drawing/2014/main" xmlns="" id="{63A912D1-813C-4FD6-97D4-DAE0D6BD8436}"/>
               </a:ext>
             </a:extLst>
           </p:cNvPr>
@@ -7788,7 +7788,7 @@
           <p:cNvPr id="3" name="Subtitle 2">
             <a:extLst>
               <a:ext uri="{FF2B5EF4-FFF2-40B4-BE49-F238E27FC236}">
-                <a16:creationId xmlns:a16="http://schemas.microsoft.com/office/drawing/2014/main" id="{6E08BC59-F98D-4612-8299-16FFCF3F3CB4}"/>
+                <a16:creationId xmlns:a16="http://schemas.microsoft.com/office/drawing/2014/main" xmlns="" id="{6E08BC59-F98D-4612-8299-16FFCF3F3CB4}"/>
               </a:ext>
             </a:extLst>
           </p:cNvPr>
@@ -7862,10 +7862,10 @@
           <p:cNvPr id="14" name="Rectangle 13">
             <a:extLst>
               <a:ext uri="{FF2B5EF4-FFF2-40B4-BE49-F238E27FC236}">
-                <a16:creationId xmlns:a16="http://schemas.microsoft.com/office/drawing/2014/main" id="{30684D86-C9D1-40C3-A9B6-EC935C7312E3}"/>
+                <a16:creationId xmlns:a16="http://schemas.microsoft.com/office/drawing/2014/main" xmlns="" id="{30684D86-C9D1-40C3-A9B6-EC935C7312E3}"/>
               </a:ext>
               <a:ext uri="{C183D7F6-B498-43B3-948B-1728B52AA6E4}">
-                <adec:decorative xmlns:adec="http://schemas.microsoft.com/office/drawing/2017/decorative" val="1"/>
+                <adec:decorative xmlns:adec="http://schemas.microsoft.com/office/drawing/2017/decorative" xmlns="" val="1"/>
               </a:ext>
             </a:extLst>
           </p:cNvPr>
@@ -7875,7 +7875,7 @@
           <p:nvPr>
             <p:extLst>
               <p:ext uri="{386F3935-93C4-4BCD-93E2-E3B085C9AB24}">
-                <p16:designElem xmlns:p16="http://schemas.microsoft.com/office/powerpoint/2015/main" val="1"/>
+                <p16:designElem xmlns:p16="http://schemas.microsoft.com/office/powerpoint/2015/main" xmlns="" val="1"/>
               </p:ext>
             </p:extLst>
           </p:nvPr>
@@ -7916,10 +7916,10 @@
           <p:cNvPr id="16" name="Freeform 33">
             <a:extLst>
               <a:ext uri="{FF2B5EF4-FFF2-40B4-BE49-F238E27FC236}">
-                <a16:creationId xmlns:a16="http://schemas.microsoft.com/office/drawing/2014/main" id="{1EDF7896-F56A-49DA-90F3-F5CE8B9833AD}"/>
+                <a16:creationId xmlns:a16="http://schemas.microsoft.com/office/drawing/2014/main" xmlns="" id="{1EDF7896-F56A-49DA-90F3-F5CE8B9833AD}"/>
               </a:ext>
               <a:ext uri="{C183D7F6-B498-43B3-948B-1728B52AA6E4}">
-                <adec:decorative xmlns:adec="http://schemas.microsoft.com/office/drawing/2017/decorative" val="1"/>
+                <adec:decorative xmlns:adec="http://schemas.microsoft.com/office/drawing/2017/decorative" xmlns="" val="1"/>
               </a:ext>
             </a:extLst>
           </p:cNvPr>
@@ -7929,7 +7929,7 @@
           <p:nvPr>
             <p:extLst>
               <p:ext uri="{386F3935-93C4-4BCD-93E2-E3B085C9AB24}">
-                <p16:designElem xmlns:p16="http://schemas.microsoft.com/office/powerpoint/2015/main" val="1"/>
+                <p16:designElem xmlns:p16="http://schemas.microsoft.com/office/powerpoint/2015/main" xmlns="" val="1"/>
               </p:ext>
             </p:extLst>
           </p:nvPr>
@@ -8071,10 +8071,10 @@
           <p:cNvPr id="8" name="Rectangle 7">
             <a:extLst>
               <a:ext uri="{FF2B5EF4-FFF2-40B4-BE49-F238E27FC236}">
-                <a16:creationId xmlns:a16="http://schemas.microsoft.com/office/drawing/2014/main" id="{3A3C2D7E-3F2E-404E-9B30-CB12DC972D50}"/>
+                <a16:creationId xmlns:a16="http://schemas.microsoft.com/office/drawing/2014/main" xmlns="" id="{3A3C2D7E-3F2E-404E-9B30-CB12DC972D50}"/>
               </a:ext>
               <a:ext uri="{C183D7F6-B498-43B3-948B-1728B52AA6E4}">
-                <adec:decorative xmlns:adec="http://schemas.microsoft.com/office/drawing/2017/decorative" val="1"/>
+                <adec:decorative xmlns:adec="http://schemas.microsoft.com/office/drawing/2017/decorative" xmlns="" val="1"/>
               </a:ext>
             </a:extLst>
           </p:cNvPr>
@@ -8084,7 +8084,7 @@
           <p:nvPr>
             <p:extLst>
               <p:ext uri="{386F3935-93C4-4BCD-93E2-E3B085C9AB24}">
-                <p16:designElem xmlns:p16="http://schemas.microsoft.com/office/powerpoint/2015/main" val="1"/>
+                <p16:designElem xmlns:p16="http://schemas.microsoft.com/office/powerpoint/2015/main" xmlns="" val="1"/>
               </p:ext>
             </p:extLst>
           </p:nvPr>
@@ -8131,10 +8131,10 @@
           <p:cNvPr id="10" name="Rectangle 9">
             <a:extLst>
               <a:ext uri="{FF2B5EF4-FFF2-40B4-BE49-F238E27FC236}">
-                <a16:creationId xmlns:a16="http://schemas.microsoft.com/office/drawing/2014/main" id="{F1F7FD00-BF97-4325-B7C2-E451F20840A7}"/>
+                <a16:creationId xmlns:a16="http://schemas.microsoft.com/office/drawing/2014/main" xmlns="" id="{F1F7FD00-BF97-4325-B7C2-E451F20840A7}"/>
               </a:ext>
               <a:ext uri="{C183D7F6-B498-43B3-948B-1728B52AA6E4}">
-                <adec:decorative xmlns:adec="http://schemas.microsoft.com/office/drawing/2017/decorative" val="1"/>
+                <adec:decorative xmlns:adec="http://schemas.microsoft.com/office/drawing/2017/decorative" xmlns="" val="1"/>
               </a:ext>
             </a:extLst>
           </p:cNvPr>
@@ -8144,7 +8144,7 @@
           <p:nvPr>
             <p:extLst>
               <p:ext uri="{386F3935-93C4-4BCD-93E2-E3B085C9AB24}">
-                <p16:designElem xmlns:p16="http://schemas.microsoft.com/office/powerpoint/2015/main" val="1"/>
+                <p16:designElem xmlns:p16="http://schemas.microsoft.com/office/powerpoint/2015/main" xmlns="" val="1"/>
               </p:ext>
             </p:extLst>
           </p:nvPr>
@@ -8187,7 +8187,7 @@
           <p:cNvPr id="2" name="Title 1">
             <a:extLst>
               <a:ext uri="{FF2B5EF4-FFF2-40B4-BE49-F238E27FC236}">
-                <a16:creationId xmlns:a16="http://schemas.microsoft.com/office/drawing/2014/main" id="{C60221F0-E61F-4AD3-B683-685CA8D02591}"/>
+                <a16:creationId xmlns:a16="http://schemas.microsoft.com/office/drawing/2014/main" xmlns="" id="{C60221F0-E61F-4AD3-B683-685CA8D02591}"/>
               </a:ext>
             </a:extLst>
           </p:cNvPr>
@@ -8231,10 +8231,10 @@
           <p:cNvPr id="12" name="Freeform 11">
             <a:extLst>
               <a:ext uri="{FF2B5EF4-FFF2-40B4-BE49-F238E27FC236}">
-                <a16:creationId xmlns:a16="http://schemas.microsoft.com/office/drawing/2014/main" id="{179B5294-DA4E-4926-B14A-DD6E07A12F67}"/>
+                <a16:creationId xmlns:a16="http://schemas.microsoft.com/office/drawing/2014/main" xmlns="" id="{179B5294-DA4E-4926-B14A-DD6E07A12F67}"/>
               </a:ext>
               <a:ext uri="{C183D7F6-B498-43B3-948B-1728B52AA6E4}">
-                <adec:decorative xmlns:adec="http://schemas.microsoft.com/office/drawing/2017/decorative" val="1"/>
+                <adec:decorative xmlns:adec="http://schemas.microsoft.com/office/drawing/2017/decorative" xmlns="" val="1"/>
               </a:ext>
             </a:extLst>
           </p:cNvPr>
@@ -8244,7 +8244,7 @@
           <p:nvPr>
             <p:extLst>
               <p:ext uri="{386F3935-93C4-4BCD-93E2-E3B085C9AB24}">
-                <p16:designElem xmlns:p16="http://schemas.microsoft.com/office/powerpoint/2015/main" val="1"/>
+                <p16:designElem xmlns:p16="http://schemas.microsoft.com/office/powerpoint/2015/main" xmlns="" val="1"/>
               </p:ext>
             </p:extLst>
           </p:nvPr>
@@ -8325,38 +8325,35 @@
           </a:ln>
         </p:spPr>
       </p:sp>
-      <p:sp>
-        <p:nvSpPr>
-          <p:cNvPr id="3" name="Content Placeholder 2">
+      <p:pic>
+        <p:nvPicPr>
+          <p:cNvPr id="9" name="Content Placeholder 8"/>
+          <p:cNvPicPr>
+            <a:picLocks noGrp="1" noChangeAspect="1"/>
+          </p:cNvPicPr>
+          <p:nvPr>
+            <p:ph idx="1"/>
+          </p:nvPr>
+        </p:nvPicPr>
+        <p:blipFill>
+          <a:blip r:embed="rId2">
             <a:extLst>
-              <a:ext uri="{FF2B5EF4-FFF2-40B4-BE49-F238E27FC236}">
-                <a16:creationId xmlns:a16="http://schemas.microsoft.com/office/drawing/2014/main" id="{66B44562-E5EF-4950-B1F8-A0575CB9B0D8}"/>
+              <a:ext uri="{28A0092B-C50C-407E-A947-70E740481C1C}">
+                <a14:useLocalDpi xmlns:a14="http://schemas.microsoft.com/office/drawing/2010/main" val="0"/>
               </a:ext>
             </a:extLst>
-          </p:cNvPr>
-          <p:cNvSpPr>
-            <a:spLocks noGrp="1"/>
-          </p:cNvSpPr>
-          <p:nvPr>
-            <p:ph idx="1"/>
-          </p:nvPr>
-        </p:nvSpPr>
+          </a:blip>
+          <a:stretch>
+            <a:fillRect/>
+          </a:stretch>
+        </p:blipFill>
         <p:spPr>
           <a:xfrm>
-            <a:off x="1843392" y="2623930"/>
-            <a:ext cx="9383408" cy="3287292"/>
-          </a:xfrm>
-        </p:spPr>
-        <p:txBody>
-          <a:bodyPr>
-            <a:normAutofit/>
-          </a:bodyPr>
-          <a:lstStyle/>
-          <a:p>
-            <a:endParaRPr lang="en-PK"/>
-          </a:p>
-        </p:txBody>
-      </p:sp>
+            <a:off x="3258355" y="2306694"/>
+            <a:ext cx="4662152" cy="4551305"/>
+          </a:xfrm>
+        </p:spPr>
+      </p:pic>
     </p:spTree>
     <p:extLst>
       <p:ext uri="{BB962C8B-B14F-4D97-AF65-F5344CB8AC3E}">
@@ -8418,10 +8415,10 @@
           <p:cNvPr id="8" name="Rectangle 7">
             <a:extLst>
               <a:ext uri="{FF2B5EF4-FFF2-40B4-BE49-F238E27FC236}">
-                <a16:creationId xmlns:a16="http://schemas.microsoft.com/office/drawing/2014/main" id="{3A3C2D7E-3F2E-404E-9B30-CB12DC972D50}"/>
+                <a16:creationId xmlns:a16="http://schemas.microsoft.com/office/drawing/2014/main" xmlns="" id="{3A3C2D7E-3F2E-404E-9B30-CB12DC972D50}"/>
               </a:ext>
               <a:ext uri="{C183D7F6-B498-43B3-948B-1728B52AA6E4}">
-                <adec:decorative xmlns:adec="http://schemas.microsoft.com/office/drawing/2017/decorative" val="1"/>
+                <adec:decorative xmlns:adec="http://schemas.microsoft.com/office/drawing/2017/decorative" xmlns="" val="1"/>
               </a:ext>
             </a:extLst>
           </p:cNvPr>
@@ -8431,7 +8428,7 @@
           <p:nvPr>
             <p:extLst>
               <p:ext uri="{386F3935-93C4-4BCD-93E2-E3B085C9AB24}">
-                <p16:designElem xmlns:p16="http://schemas.microsoft.com/office/powerpoint/2015/main" val="1"/>
+                <p16:designElem xmlns:p16="http://schemas.microsoft.com/office/powerpoint/2015/main" xmlns="" val="1"/>
               </p:ext>
             </p:extLst>
           </p:nvPr>
@@ -8478,10 +8475,10 @@
           <p:cNvPr id="10" name="Rectangle 9">
             <a:extLst>
               <a:ext uri="{FF2B5EF4-FFF2-40B4-BE49-F238E27FC236}">
-                <a16:creationId xmlns:a16="http://schemas.microsoft.com/office/drawing/2014/main" id="{F1F7FD00-BF97-4325-B7C2-E451F20840A7}"/>
+                <a16:creationId xmlns:a16="http://schemas.microsoft.com/office/drawing/2014/main" xmlns="" id="{F1F7FD00-BF97-4325-B7C2-E451F20840A7}"/>
               </a:ext>
               <a:ext uri="{C183D7F6-B498-43B3-948B-1728B52AA6E4}">
-                <adec:decorative xmlns:adec="http://schemas.microsoft.com/office/drawing/2017/decorative" val="1"/>
+                <adec:decorative xmlns:adec="http://schemas.microsoft.com/office/drawing/2017/decorative" xmlns="" val="1"/>
               </a:ext>
             </a:extLst>
           </p:cNvPr>
@@ -8491,7 +8488,7 @@
           <p:nvPr>
             <p:extLst>
               <p:ext uri="{386F3935-93C4-4BCD-93E2-E3B085C9AB24}">
-                <p16:designElem xmlns:p16="http://schemas.microsoft.com/office/powerpoint/2015/main" val="1"/>
+                <p16:designElem xmlns:p16="http://schemas.microsoft.com/office/powerpoint/2015/main" xmlns="" val="1"/>
               </p:ext>
             </p:extLst>
           </p:nvPr>
@@ -8534,7 +8531,7 @@
           <p:cNvPr id="2" name="Title 1">
             <a:extLst>
               <a:ext uri="{FF2B5EF4-FFF2-40B4-BE49-F238E27FC236}">
-                <a16:creationId xmlns:a16="http://schemas.microsoft.com/office/drawing/2014/main" id="{A875E76E-82C7-4FA8-9842-E997F8767AB0}"/>
+                <a16:creationId xmlns:a16="http://schemas.microsoft.com/office/drawing/2014/main" xmlns="" id="{A875E76E-82C7-4FA8-9842-E997F8767AB0}"/>
               </a:ext>
             </a:extLst>
           </p:cNvPr>
@@ -8578,10 +8575,10 @@
           <p:cNvPr id="12" name="Freeform 11">
             <a:extLst>
               <a:ext uri="{FF2B5EF4-FFF2-40B4-BE49-F238E27FC236}">
-                <a16:creationId xmlns:a16="http://schemas.microsoft.com/office/drawing/2014/main" id="{179B5294-DA4E-4926-B14A-DD6E07A12F67}"/>
+                <a16:creationId xmlns:a16="http://schemas.microsoft.com/office/drawing/2014/main" xmlns="" id="{179B5294-DA4E-4926-B14A-DD6E07A12F67}"/>
               </a:ext>
               <a:ext uri="{C183D7F6-B498-43B3-948B-1728B52AA6E4}">
-                <adec:decorative xmlns:adec="http://schemas.microsoft.com/office/drawing/2017/decorative" val="1"/>
+                <adec:decorative xmlns:adec="http://schemas.microsoft.com/office/drawing/2017/decorative" xmlns="" val="1"/>
               </a:ext>
             </a:extLst>
           </p:cNvPr>
@@ -8591,7 +8588,7 @@
           <p:nvPr>
             <p:extLst>
               <p:ext uri="{386F3935-93C4-4BCD-93E2-E3B085C9AB24}">
-                <p16:designElem xmlns:p16="http://schemas.microsoft.com/office/powerpoint/2015/main" val="1"/>
+                <p16:designElem xmlns:p16="http://schemas.microsoft.com/office/powerpoint/2015/main" xmlns="" val="1"/>
               </p:ext>
             </p:extLst>
           </p:nvPr>
@@ -8677,7 +8674,7 @@
           <p:cNvPr id="3" name="Content Placeholder 2">
             <a:extLst>
               <a:ext uri="{FF2B5EF4-FFF2-40B4-BE49-F238E27FC236}">
-                <a16:creationId xmlns:a16="http://schemas.microsoft.com/office/drawing/2014/main" id="{141CAAFE-9C52-423A-BD22-F22A736D9346}"/>
+                <a16:creationId xmlns:a16="http://schemas.microsoft.com/office/drawing/2014/main" xmlns="" id="{141CAAFE-9C52-423A-BD22-F22A736D9346}"/>
               </a:ext>
             </a:extLst>
           </p:cNvPr>
@@ -8765,10 +8762,10 @@
           <p:cNvPr id="8" name="Rectangle 7">
             <a:extLst>
               <a:ext uri="{FF2B5EF4-FFF2-40B4-BE49-F238E27FC236}">
-                <a16:creationId xmlns:a16="http://schemas.microsoft.com/office/drawing/2014/main" id="{3A3C2D7E-3F2E-404E-9B30-CB12DC972D50}"/>
+                <a16:creationId xmlns:a16="http://schemas.microsoft.com/office/drawing/2014/main" xmlns="" id="{3A3C2D7E-3F2E-404E-9B30-CB12DC972D50}"/>
               </a:ext>
               <a:ext uri="{C183D7F6-B498-43B3-948B-1728B52AA6E4}">
-                <adec:decorative xmlns:adec="http://schemas.microsoft.com/office/drawing/2017/decorative" val="1"/>
+                <adec:decorative xmlns:adec="http://schemas.microsoft.com/office/drawing/2017/decorative" xmlns="" val="1"/>
               </a:ext>
             </a:extLst>
           </p:cNvPr>
@@ -8778,7 +8775,7 @@
           <p:nvPr>
             <p:extLst>
               <p:ext uri="{386F3935-93C4-4BCD-93E2-E3B085C9AB24}">
-                <p16:designElem xmlns:p16="http://schemas.microsoft.com/office/powerpoint/2015/main" val="1"/>
+                <p16:designElem xmlns:p16="http://schemas.microsoft.com/office/powerpoint/2015/main" xmlns="" val="1"/>
               </p:ext>
             </p:extLst>
           </p:nvPr>
@@ -8825,10 +8822,10 @@
           <p:cNvPr id="10" name="Rectangle 9">
             <a:extLst>
               <a:ext uri="{FF2B5EF4-FFF2-40B4-BE49-F238E27FC236}">
-                <a16:creationId xmlns:a16="http://schemas.microsoft.com/office/drawing/2014/main" id="{F1F7FD00-BF97-4325-B7C2-E451F20840A7}"/>
+                <a16:creationId xmlns:a16="http://schemas.microsoft.com/office/drawing/2014/main" xmlns="" id="{F1F7FD00-BF97-4325-B7C2-E451F20840A7}"/>
               </a:ext>
               <a:ext uri="{C183D7F6-B498-43B3-948B-1728B52AA6E4}">
-                <adec:decorative xmlns:adec="http://schemas.microsoft.com/office/drawing/2017/decorative" val="1"/>
+                <adec:decorative xmlns:adec="http://schemas.microsoft.com/office/drawing/2017/decorative" xmlns="" val="1"/>
               </a:ext>
             </a:extLst>
           </p:cNvPr>
@@ -8838,7 +8835,7 @@
           <p:nvPr>
             <p:extLst>
               <p:ext uri="{386F3935-93C4-4BCD-93E2-E3B085C9AB24}">
-                <p16:designElem xmlns:p16="http://schemas.microsoft.com/office/powerpoint/2015/main" val="1"/>
+                <p16:designElem xmlns:p16="http://schemas.microsoft.com/office/powerpoint/2015/main" xmlns="" val="1"/>
               </p:ext>
             </p:extLst>
           </p:nvPr>
@@ -8881,7 +8878,7 @@
           <p:cNvPr id="2" name="Title 1">
             <a:extLst>
               <a:ext uri="{FF2B5EF4-FFF2-40B4-BE49-F238E27FC236}">
-                <a16:creationId xmlns:a16="http://schemas.microsoft.com/office/drawing/2014/main" id="{93B97C3A-D8DD-49BC-B84D-44CD0BB5C8AC}"/>
+                <a16:creationId xmlns:a16="http://schemas.microsoft.com/office/drawing/2014/main" xmlns="" id="{93B97C3A-D8DD-49BC-B84D-44CD0BB5C8AC}"/>
               </a:ext>
             </a:extLst>
           </p:cNvPr>
@@ -8925,10 +8922,10 @@
           <p:cNvPr id="12" name="Freeform 11">
             <a:extLst>
               <a:ext uri="{FF2B5EF4-FFF2-40B4-BE49-F238E27FC236}">
-                <a16:creationId xmlns:a16="http://schemas.microsoft.com/office/drawing/2014/main" id="{179B5294-DA4E-4926-B14A-DD6E07A12F67}"/>
+                <a16:creationId xmlns:a16="http://schemas.microsoft.com/office/drawing/2014/main" xmlns="" id="{179B5294-DA4E-4926-B14A-DD6E07A12F67}"/>
               </a:ext>
               <a:ext uri="{C183D7F6-B498-43B3-948B-1728B52AA6E4}">
-                <adec:decorative xmlns:adec="http://schemas.microsoft.com/office/drawing/2017/decorative" val="1"/>
+                <adec:decorative xmlns:adec="http://schemas.microsoft.com/office/drawing/2017/decorative" xmlns="" val="1"/>
               </a:ext>
             </a:extLst>
           </p:cNvPr>
@@ -8938,7 +8935,7 @@
           <p:nvPr>
             <p:extLst>
               <p:ext uri="{386F3935-93C4-4BCD-93E2-E3B085C9AB24}">
-                <p16:designElem xmlns:p16="http://schemas.microsoft.com/office/powerpoint/2015/main" val="1"/>
+                <p16:designElem xmlns:p16="http://schemas.microsoft.com/office/powerpoint/2015/main" xmlns="" val="1"/>
               </p:ext>
             </p:extLst>
           </p:nvPr>
@@ -9024,7 +9021,7 @@
           <p:cNvPr id="3" name="Content Placeholder 2">
             <a:extLst>
               <a:ext uri="{FF2B5EF4-FFF2-40B4-BE49-F238E27FC236}">
-                <a16:creationId xmlns:a16="http://schemas.microsoft.com/office/drawing/2014/main" id="{5F85B57F-B011-4DA4-8ABD-52BB60B2C9AA}"/>
+                <a16:creationId xmlns:a16="http://schemas.microsoft.com/office/drawing/2014/main" xmlns="" id="{5F85B57F-B011-4DA4-8ABD-52BB60B2C9AA}"/>
               </a:ext>
             </a:extLst>
           </p:cNvPr>
@@ -9112,10 +9109,10 @@
           <p:cNvPr id="8" name="Rectangle 7">
             <a:extLst>
               <a:ext uri="{FF2B5EF4-FFF2-40B4-BE49-F238E27FC236}">
-                <a16:creationId xmlns:a16="http://schemas.microsoft.com/office/drawing/2014/main" id="{3A3C2D7E-3F2E-404E-9B30-CB12DC972D50}"/>
+                <a16:creationId xmlns:a16="http://schemas.microsoft.com/office/drawing/2014/main" xmlns="" id="{3A3C2D7E-3F2E-404E-9B30-CB12DC972D50}"/>
               </a:ext>
               <a:ext uri="{C183D7F6-B498-43B3-948B-1728B52AA6E4}">
-                <adec:decorative xmlns:adec="http://schemas.microsoft.com/office/drawing/2017/decorative" val="1"/>
+                <adec:decorative xmlns:adec="http://schemas.microsoft.com/office/drawing/2017/decorative" xmlns="" val="1"/>
               </a:ext>
             </a:extLst>
           </p:cNvPr>
@@ -9125,7 +9122,7 @@
           <p:nvPr>
             <p:extLst>
               <p:ext uri="{386F3935-93C4-4BCD-93E2-E3B085C9AB24}">
-                <p16:designElem xmlns:p16="http://schemas.microsoft.com/office/powerpoint/2015/main" val="1"/>
+                <p16:designElem xmlns:p16="http://schemas.microsoft.com/office/powerpoint/2015/main" xmlns="" val="1"/>
               </p:ext>
             </p:extLst>
           </p:nvPr>
@@ -9172,10 +9169,10 @@
           <p:cNvPr id="10" name="Rectangle 9">
             <a:extLst>
               <a:ext uri="{FF2B5EF4-FFF2-40B4-BE49-F238E27FC236}">
-                <a16:creationId xmlns:a16="http://schemas.microsoft.com/office/drawing/2014/main" id="{F1F7FD00-BF97-4325-B7C2-E451F20840A7}"/>
+                <a16:creationId xmlns:a16="http://schemas.microsoft.com/office/drawing/2014/main" xmlns="" id="{F1F7FD00-BF97-4325-B7C2-E451F20840A7}"/>
               </a:ext>
               <a:ext uri="{C183D7F6-B498-43B3-948B-1728B52AA6E4}">
-                <adec:decorative xmlns:adec="http://schemas.microsoft.com/office/drawing/2017/decorative" val="1"/>
+                <adec:decorative xmlns:adec="http://schemas.microsoft.com/office/drawing/2017/decorative" xmlns="" val="1"/>
               </a:ext>
             </a:extLst>
           </p:cNvPr>
@@ -9185,7 +9182,7 @@
           <p:nvPr>
             <p:extLst>
               <p:ext uri="{386F3935-93C4-4BCD-93E2-E3B085C9AB24}">
-                <p16:designElem xmlns:p16="http://schemas.microsoft.com/office/powerpoint/2015/main" val="1"/>
+                <p16:designElem xmlns:p16="http://schemas.microsoft.com/office/powerpoint/2015/main" xmlns="" val="1"/>
               </p:ext>
             </p:extLst>
           </p:nvPr>
@@ -9228,7 +9225,7 @@
           <p:cNvPr id="2" name="Title 1">
             <a:extLst>
               <a:ext uri="{FF2B5EF4-FFF2-40B4-BE49-F238E27FC236}">
-                <a16:creationId xmlns:a16="http://schemas.microsoft.com/office/drawing/2014/main" id="{705EB085-B337-4199-A40E-269BA49121BE}"/>
+                <a16:creationId xmlns:a16="http://schemas.microsoft.com/office/drawing/2014/main" xmlns="" id="{705EB085-B337-4199-A40E-269BA49121BE}"/>
               </a:ext>
             </a:extLst>
           </p:cNvPr>
@@ -9272,10 +9269,10 @@
           <p:cNvPr id="12" name="Freeform 11">
             <a:extLst>
               <a:ext uri="{FF2B5EF4-FFF2-40B4-BE49-F238E27FC236}">
-                <a16:creationId xmlns:a16="http://schemas.microsoft.com/office/drawing/2014/main" id="{179B5294-DA4E-4926-B14A-DD6E07A12F67}"/>
+                <a16:creationId xmlns:a16="http://schemas.microsoft.com/office/drawing/2014/main" xmlns="" id="{179B5294-DA4E-4926-B14A-DD6E07A12F67}"/>
               </a:ext>
               <a:ext uri="{C183D7F6-B498-43B3-948B-1728B52AA6E4}">
-                <adec:decorative xmlns:adec="http://schemas.microsoft.com/office/drawing/2017/decorative" val="1"/>
+                <adec:decorative xmlns:adec="http://schemas.microsoft.com/office/drawing/2017/decorative" xmlns="" val="1"/>
               </a:ext>
             </a:extLst>
           </p:cNvPr>
@@ -9285,7 +9282,7 @@
           <p:nvPr>
             <p:extLst>
               <p:ext uri="{386F3935-93C4-4BCD-93E2-E3B085C9AB24}">
-                <p16:designElem xmlns:p16="http://schemas.microsoft.com/office/powerpoint/2015/main" val="1"/>
+                <p16:designElem xmlns:p16="http://schemas.microsoft.com/office/powerpoint/2015/main" xmlns="" val="1"/>
               </p:ext>
             </p:extLst>
           </p:nvPr>
@@ -9371,7 +9368,7 @@
           <p:cNvPr id="3" name="Content Placeholder 2">
             <a:extLst>
               <a:ext uri="{FF2B5EF4-FFF2-40B4-BE49-F238E27FC236}">
-                <a16:creationId xmlns:a16="http://schemas.microsoft.com/office/drawing/2014/main" id="{1BCF27F4-4012-444E-ABA3-F2CA4526047A}"/>
+                <a16:creationId xmlns:a16="http://schemas.microsoft.com/office/drawing/2014/main" xmlns="" id="{1BCF27F4-4012-444E-ABA3-F2CA4526047A}"/>
               </a:ext>
             </a:extLst>
           </p:cNvPr>
@@ -9459,10 +9456,10 @@
           <p:cNvPr id="8" name="Rectangle 7">
             <a:extLst>
               <a:ext uri="{FF2B5EF4-FFF2-40B4-BE49-F238E27FC236}">
-                <a16:creationId xmlns:a16="http://schemas.microsoft.com/office/drawing/2014/main" id="{3A3C2D7E-3F2E-404E-9B30-CB12DC972D50}"/>
+                <a16:creationId xmlns:a16="http://schemas.microsoft.com/office/drawing/2014/main" xmlns="" id="{3A3C2D7E-3F2E-404E-9B30-CB12DC972D50}"/>
               </a:ext>
               <a:ext uri="{C183D7F6-B498-43B3-948B-1728B52AA6E4}">
-                <adec:decorative xmlns:adec="http://schemas.microsoft.com/office/drawing/2017/decorative" val="1"/>
+                <adec:decorative xmlns:adec="http://schemas.microsoft.com/office/drawing/2017/decorative" xmlns="" val="1"/>
               </a:ext>
             </a:extLst>
           </p:cNvPr>
@@ -9472,7 +9469,7 @@
           <p:nvPr>
             <p:extLst>
               <p:ext uri="{386F3935-93C4-4BCD-93E2-E3B085C9AB24}">
-                <p16:designElem xmlns:p16="http://schemas.microsoft.com/office/powerpoint/2015/main" val="1"/>
+                <p16:designElem xmlns:p16="http://schemas.microsoft.com/office/powerpoint/2015/main" xmlns="" val="1"/>
               </p:ext>
             </p:extLst>
           </p:nvPr>
@@ -9519,10 +9516,10 @@
           <p:cNvPr id="10" name="Rectangle 9">
             <a:extLst>
               <a:ext uri="{FF2B5EF4-FFF2-40B4-BE49-F238E27FC236}">
-                <a16:creationId xmlns:a16="http://schemas.microsoft.com/office/drawing/2014/main" id="{F1F7FD00-BF97-4325-B7C2-E451F20840A7}"/>
+                <a16:creationId xmlns:a16="http://schemas.microsoft.com/office/drawing/2014/main" xmlns="" id="{F1F7FD00-BF97-4325-B7C2-E451F20840A7}"/>
               </a:ext>
               <a:ext uri="{C183D7F6-B498-43B3-948B-1728B52AA6E4}">
-                <adec:decorative xmlns:adec="http://schemas.microsoft.com/office/drawing/2017/decorative" val="1"/>
+                <adec:decorative xmlns:adec="http://schemas.microsoft.com/office/drawing/2017/decorative" xmlns="" val="1"/>
               </a:ext>
             </a:extLst>
           </p:cNvPr>
@@ -9532,7 +9529,7 @@
           <p:nvPr>
             <p:extLst>
               <p:ext uri="{386F3935-93C4-4BCD-93E2-E3B085C9AB24}">
-                <p16:designElem xmlns:p16="http://schemas.microsoft.com/office/powerpoint/2015/main" val="1"/>
+                <p16:designElem xmlns:p16="http://schemas.microsoft.com/office/powerpoint/2015/main" xmlns="" val="1"/>
               </p:ext>
             </p:extLst>
           </p:nvPr>
@@ -9575,7 +9572,7 @@
           <p:cNvPr id="2" name="Title 1">
             <a:extLst>
               <a:ext uri="{FF2B5EF4-FFF2-40B4-BE49-F238E27FC236}">
-                <a16:creationId xmlns:a16="http://schemas.microsoft.com/office/drawing/2014/main" id="{938C7F7E-8CB2-47D8-95C9-439ED4C84A5C}"/>
+                <a16:creationId xmlns:a16="http://schemas.microsoft.com/office/drawing/2014/main" xmlns="" id="{938C7F7E-8CB2-47D8-95C9-439ED4C84A5C}"/>
               </a:ext>
             </a:extLst>
           </p:cNvPr>
@@ -9619,10 +9616,10 @@
           <p:cNvPr id="12" name="Freeform 11">
             <a:extLst>
               <a:ext uri="{FF2B5EF4-FFF2-40B4-BE49-F238E27FC236}">
-                <a16:creationId xmlns:a16="http://schemas.microsoft.com/office/drawing/2014/main" id="{179B5294-DA4E-4926-B14A-DD6E07A12F67}"/>
+                <a16:creationId xmlns:a16="http://schemas.microsoft.com/office/drawing/2014/main" xmlns="" id="{179B5294-DA4E-4926-B14A-DD6E07A12F67}"/>
               </a:ext>
               <a:ext uri="{C183D7F6-B498-43B3-948B-1728B52AA6E4}">
-                <adec:decorative xmlns:adec="http://schemas.microsoft.com/office/drawing/2017/decorative" val="1"/>
+                <adec:decorative xmlns:adec="http://schemas.microsoft.com/office/drawing/2017/decorative" xmlns="" val="1"/>
               </a:ext>
             </a:extLst>
           </p:cNvPr>
@@ -9632,7 +9629,7 @@
           <p:nvPr>
             <p:extLst>
               <p:ext uri="{386F3935-93C4-4BCD-93E2-E3B085C9AB24}">
-                <p16:designElem xmlns:p16="http://schemas.microsoft.com/office/powerpoint/2015/main" val="1"/>
+                <p16:designElem xmlns:p16="http://schemas.microsoft.com/office/powerpoint/2015/main" xmlns="" val="1"/>
               </p:ext>
             </p:extLst>
           </p:nvPr>
@@ -9718,7 +9715,7 @@
           <p:cNvPr id="3" name="Content Placeholder 2">
             <a:extLst>
               <a:ext uri="{FF2B5EF4-FFF2-40B4-BE49-F238E27FC236}">
-                <a16:creationId xmlns:a16="http://schemas.microsoft.com/office/drawing/2014/main" id="{851768BE-4C2A-4074-8BBD-DA6FCF8FB2EF}"/>
+                <a16:creationId xmlns:a16="http://schemas.microsoft.com/office/drawing/2014/main" xmlns="" id="{851768BE-4C2A-4074-8BBD-DA6FCF8FB2EF}"/>
               </a:ext>
             </a:extLst>
           </p:cNvPr>
@@ -9806,10 +9803,10 @@
           <p:cNvPr id="8" name="Rectangle 7">
             <a:extLst>
               <a:ext uri="{FF2B5EF4-FFF2-40B4-BE49-F238E27FC236}">
-                <a16:creationId xmlns:a16="http://schemas.microsoft.com/office/drawing/2014/main" id="{3A3C2D7E-3F2E-404E-9B30-CB12DC972D50}"/>
+                <a16:creationId xmlns:a16="http://schemas.microsoft.com/office/drawing/2014/main" xmlns="" id="{3A3C2D7E-3F2E-404E-9B30-CB12DC972D50}"/>
               </a:ext>
               <a:ext uri="{C183D7F6-B498-43B3-948B-1728B52AA6E4}">
-                <adec:decorative xmlns:adec="http://schemas.microsoft.com/office/drawing/2017/decorative" val="1"/>
+                <adec:decorative xmlns:adec="http://schemas.microsoft.com/office/drawing/2017/decorative" xmlns="" val="1"/>
               </a:ext>
             </a:extLst>
           </p:cNvPr>
@@ -9819,7 +9816,7 @@
           <p:nvPr>
             <p:extLst>
               <p:ext uri="{386F3935-93C4-4BCD-93E2-E3B085C9AB24}">
-                <p16:designElem xmlns:p16="http://schemas.microsoft.com/office/powerpoint/2015/main" val="1"/>
+                <p16:designElem xmlns:p16="http://schemas.microsoft.com/office/powerpoint/2015/main" xmlns="" val="1"/>
               </p:ext>
             </p:extLst>
           </p:nvPr>
@@ -9866,10 +9863,10 @@
           <p:cNvPr id="10" name="Rectangle 9">
             <a:extLst>
               <a:ext uri="{FF2B5EF4-FFF2-40B4-BE49-F238E27FC236}">
-                <a16:creationId xmlns:a16="http://schemas.microsoft.com/office/drawing/2014/main" id="{F1F7FD00-BF97-4325-B7C2-E451F20840A7}"/>
+                <a16:creationId xmlns:a16="http://schemas.microsoft.com/office/drawing/2014/main" xmlns="" id="{F1F7FD00-BF97-4325-B7C2-E451F20840A7}"/>
               </a:ext>
               <a:ext uri="{C183D7F6-B498-43B3-948B-1728B52AA6E4}">
-                <adec:decorative xmlns:adec="http://schemas.microsoft.com/office/drawing/2017/decorative" val="1"/>
+                <adec:decorative xmlns:adec="http://schemas.microsoft.com/office/drawing/2017/decorative" xmlns="" val="1"/>
               </a:ext>
             </a:extLst>
           </p:cNvPr>
@@ -9879,7 +9876,7 @@
           <p:nvPr>
             <p:extLst>
               <p:ext uri="{386F3935-93C4-4BCD-93E2-E3B085C9AB24}">
-                <p16:designElem xmlns:p16="http://schemas.microsoft.com/office/powerpoint/2015/main" val="1"/>
+                <p16:designElem xmlns:p16="http://schemas.microsoft.com/office/powerpoint/2015/main" xmlns="" val="1"/>
               </p:ext>
             </p:extLst>
           </p:nvPr>
@@ -9922,7 +9919,7 @@
           <p:cNvPr id="2" name="Title 1">
             <a:extLst>
               <a:ext uri="{FF2B5EF4-FFF2-40B4-BE49-F238E27FC236}">
-                <a16:creationId xmlns:a16="http://schemas.microsoft.com/office/drawing/2014/main" id="{5C40D58B-9133-4C06-AAD6-7E29E772C732}"/>
+                <a16:creationId xmlns:a16="http://schemas.microsoft.com/office/drawing/2014/main" xmlns="" id="{5C40D58B-9133-4C06-AAD6-7E29E772C732}"/>
               </a:ext>
             </a:extLst>
           </p:cNvPr>
@@ -9966,10 +9963,10 @@
           <p:cNvPr id="12" name="Freeform 11">
             <a:extLst>
               <a:ext uri="{FF2B5EF4-FFF2-40B4-BE49-F238E27FC236}">
-                <a16:creationId xmlns:a16="http://schemas.microsoft.com/office/drawing/2014/main" id="{179B5294-DA4E-4926-B14A-DD6E07A12F67}"/>
+                <a16:creationId xmlns:a16="http://schemas.microsoft.com/office/drawing/2014/main" xmlns="" id="{179B5294-DA4E-4926-B14A-DD6E07A12F67}"/>
               </a:ext>
               <a:ext uri="{C183D7F6-B498-43B3-948B-1728B52AA6E4}">
-                <adec:decorative xmlns:adec="http://schemas.microsoft.com/office/drawing/2017/decorative" val="1"/>
+                <adec:decorative xmlns:adec="http://schemas.microsoft.com/office/drawing/2017/decorative" xmlns="" val="1"/>
               </a:ext>
             </a:extLst>
           </p:cNvPr>
@@ -9979,7 +9976,7 @@
           <p:nvPr>
             <p:extLst>
               <p:ext uri="{386F3935-93C4-4BCD-93E2-E3B085C9AB24}">
-                <p16:designElem xmlns:p16="http://schemas.microsoft.com/office/powerpoint/2015/main" val="1"/>
+                <p16:designElem xmlns:p16="http://schemas.microsoft.com/office/powerpoint/2015/main" xmlns="" val="1"/>
               </p:ext>
             </p:extLst>
           </p:nvPr>
@@ -10065,7 +10062,7 @@
           <p:cNvPr id="3" name="Content Placeholder 2">
             <a:extLst>
               <a:ext uri="{FF2B5EF4-FFF2-40B4-BE49-F238E27FC236}">
-                <a16:creationId xmlns:a16="http://schemas.microsoft.com/office/drawing/2014/main" id="{7D0FD512-3ED8-4D99-AC7E-FFC3F80BEE8B}"/>
+                <a16:creationId xmlns:a16="http://schemas.microsoft.com/office/drawing/2014/main" xmlns="" id="{7D0FD512-3ED8-4D99-AC7E-FFC3F80BEE8B}"/>
               </a:ext>
             </a:extLst>
           </p:cNvPr>
@@ -10127,7 +10124,7 @@
           <p:cNvPr id="5" name="Content Placeholder 4" descr="A close up of a logo&#10;&#10;Description automatically generated">
             <a:extLst>
               <a:ext uri="{FF2B5EF4-FFF2-40B4-BE49-F238E27FC236}">
-                <a16:creationId xmlns:a16="http://schemas.microsoft.com/office/drawing/2014/main" id="{C1A8FEED-AADA-461C-9F95-1647F28E3199}"/>
+                <a16:creationId xmlns:a16="http://schemas.microsoft.com/office/drawing/2014/main" xmlns="" id="{C1A8FEED-AADA-461C-9F95-1647F28E3199}"/>
               </a:ext>
             </a:extLst>
           </p:cNvPr>
@@ -10212,10 +10209,10 @@
           <p:cNvPr id="8" name="Rectangle 7">
             <a:extLst>
               <a:ext uri="{FF2B5EF4-FFF2-40B4-BE49-F238E27FC236}">
-                <a16:creationId xmlns:a16="http://schemas.microsoft.com/office/drawing/2014/main" id="{3A3C2D7E-3F2E-404E-9B30-CB12DC972D50}"/>
+                <a16:creationId xmlns:a16="http://schemas.microsoft.com/office/drawing/2014/main" xmlns="" id="{3A3C2D7E-3F2E-404E-9B30-CB12DC972D50}"/>
               </a:ext>
               <a:ext uri="{C183D7F6-B498-43B3-948B-1728B52AA6E4}">
-                <adec:decorative xmlns:adec="http://schemas.microsoft.com/office/drawing/2017/decorative" val="1"/>
+                <adec:decorative xmlns:adec="http://schemas.microsoft.com/office/drawing/2017/decorative" xmlns="" val="1"/>
               </a:ext>
             </a:extLst>
           </p:cNvPr>
@@ -10225,7 +10222,7 @@
           <p:nvPr>
             <p:extLst>
               <p:ext uri="{386F3935-93C4-4BCD-93E2-E3B085C9AB24}">
-                <p16:designElem xmlns:p16="http://schemas.microsoft.com/office/powerpoint/2015/main" val="1"/>
+                <p16:designElem xmlns:p16="http://schemas.microsoft.com/office/powerpoint/2015/main" xmlns="" val="1"/>
               </p:ext>
             </p:extLst>
           </p:nvPr>
@@ -10272,10 +10269,10 @@
           <p:cNvPr id="10" name="Rectangle 9">
             <a:extLst>
               <a:ext uri="{FF2B5EF4-FFF2-40B4-BE49-F238E27FC236}">
-                <a16:creationId xmlns:a16="http://schemas.microsoft.com/office/drawing/2014/main" id="{F1F7FD00-BF97-4325-B7C2-E451F20840A7}"/>
+                <a16:creationId xmlns:a16="http://schemas.microsoft.com/office/drawing/2014/main" xmlns="" id="{F1F7FD00-BF97-4325-B7C2-E451F20840A7}"/>
               </a:ext>
               <a:ext uri="{C183D7F6-B498-43B3-948B-1728B52AA6E4}">
-                <adec:decorative xmlns:adec="http://schemas.microsoft.com/office/drawing/2017/decorative" val="1"/>
+                <adec:decorative xmlns:adec="http://schemas.microsoft.com/office/drawing/2017/decorative" xmlns="" val="1"/>
               </a:ext>
             </a:extLst>
           </p:cNvPr>
@@ -10285,7 +10282,7 @@
           <p:nvPr>
             <p:extLst>
               <p:ext uri="{386F3935-93C4-4BCD-93E2-E3B085C9AB24}">
-                <p16:designElem xmlns:p16="http://schemas.microsoft.com/office/powerpoint/2015/main" val="1"/>
+                <p16:designElem xmlns:p16="http://schemas.microsoft.com/office/powerpoint/2015/main" xmlns="" val="1"/>
               </p:ext>
             </p:extLst>
           </p:nvPr>
@@ -10328,7 +10325,7 @@
           <p:cNvPr id="2" name="Title 1">
             <a:extLst>
               <a:ext uri="{FF2B5EF4-FFF2-40B4-BE49-F238E27FC236}">
-                <a16:creationId xmlns:a16="http://schemas.microsoft.com/office/drawing/2014/main" id="{BA2BFF53-F080-4837-B3FC-77C4CC391CF6}"/>
+                <a16:creationId xmlns:a16="http://schemas.microsoft.com/office/drawing/2014/main" xmlns="" id="{BA2BFF53-F080-4837-B3FC-77C4CC391CF6}"/>
               </a:ext>
             </a:extLst>
           </p:cNvPr>
@@ -10372,10 +10369,10 @@
           <p:cNvPr id="12" name="Freeform 11">
             <a:extLst>
               <a:ext uri="{FF2B5EF4-FFF2-40B4-BE49-F238E27FC236}">
-                <a16:creationId xmlns:a16="http://schemas.microsoft.com/office/drawing/2014/main" id="{179B5294-DA4E-4926-B14A-DD6E07A12F67}"/>
+                <a16:creationId xmlns:a16="http://schemas.microsoft.com/office/drawing/2014/main" xmlns="" id="{179B5294-DA4E-4926-B14A-DD6E07A12F67}"/>
               </a:ext>
               <a:ext uri="{C183D7F6-B498-43B3-948B-1728B52AA6E4}">
-                <adec:decorative xmlns:adec="http://schemas.microsoft.com/office/drawing/2017/decorative" val="1"/>
+                <adec:decorative xmlns:adec="http://schemas.microsoft.com/office/drawing/2017/decorative" xmlns="" val="1"/>
               </a:ext>
             </a:extLst>
           </p:cNvPr>
@@ -10385,7 +10382,7 @@
           <p:nvPr>
             <p:extLst>
               <p:ext uri="{386F3935-93C4-4BCD-93E2-E3B085C9AB24}">
-                <p16:designElem xmlns:p16="http://schemas.microsoft.com/office/powerpoint/2015/main" val="1"/>
+                <p16:designElem xmlns:p16="http://schemas.microsoft.com/office/powerpoint/2015/main" xmlns="" val="1"/>
               </p:ext>
             </p:extLst>
           </p:nvPr>
@@ -10471,7 +10468,7 @@
           <p:cNvPr id="3" name="Content Placeholder 2">
             <a:extLst>
               <a:ext uri="{FF2B5EF4-FFF2-40B4-BE49-F238E27FC236}">
-                <a16:creationId xmlns:a16="http://schemas.microsoft.com/office/drawing/2014/main" id="{5AE71383-70B6-4A9E-A22E-EE6057E31C1C}"/>
+                <a16:creationId xmlns:a16="http://schemas.microsoft.com/office/drawing/2014/main" xmlns="" id="{5AE71383-70B6-4A9E-A22E-EE6057E31C1C}"/>
               </a:ext>
             </a:extLst>
           </p:cNvPr>
@@ -10484,8 +10481,8 @@
         </p:nvSpPr>
         <p:spPr>
           <a:xfrm>
-            <a:off x="1843392" y="2623930"/>
-            <a:ext cx="9383408" cy="3287292"/>
+            <a:off x="1843392" y="2833352"/>
+            <a:ext cx="9383408" cy="3077870"/>
           </a:xfrm>
         </p:spPr>
         <p:txBody>
@@ -10494,7 +10491,106 @@
           </a:bodyPr>
           <a:lstStyle/>
           <a:p>
-            <a:endParaRPr lang="en-PK"/>
+            <a:pPr marL="0" indent="0">
+              <a:buNone/>
+            </a:pPr>
+            <a:r>
+              <a:rPr lang="en-GB" sz="2000" dirty="0"/>
+              <a:t>This project intent to the auto-generation of 3D models from 2D imported </a:t>
+            </a:r>
+            <a:r>
+              <a:rPr lang="en-GB" sz="2000" dirty="0" smtClean="0"/>
+              <a:t>floor </a:t>
+            </a:r>
+            <a:r>
+              <a:rPr lang="en-GB" sz="2000" dirty="0"/>
+              <a:t>plans. It can be operated </a:t>
+            </a:r>
+            <a:r>
+              <a:rPr lang="en-GB" sz="2000" dirty="0" smtClean="0"/>
+              <a:t>by importing </a:t>
+            </a:r>
+            <a:r>
+              <a:rPr lang="en-GB" sz="2000" dirty="0"/>
+              <a:t>a 2D </a:t>
+            </a:r>
+            <a:r>
+              <a:rPr lang="en-GB" sz="2000" dirty="0" smtClean="0"/>
+              <a:t>floor </a:t>
+            </a:r>
+            <a:r>
+              <a:rPr lang="en-GB" sz="2000" dirty="0"/>
+              <a:t>plan in an image format</a:t>
+            </a:r>
+            <a:r>
+              <a:rPr lang="en-GB" sz="2000" dirty="0" smtClean="0"/>
+              <a:t>. </a:t>
+            </a:r>
+            <a:r>
+              <a:rPr lang="en-GB" sz="2000" dirty="0"/>
+              <a:t>The techniques of image processing and model mapping </a:t>
+            </a:r>
+            <a:r>
+              <a:rPr lang="en-GB" sz="2000" dirty="0" smtClean="0"/>
+              <a:t>used to </a:t>
+            </a:r>
+            <a:r>
+              <a:rPr lang="en-GB" sz="2000" dirty="0"/>
+              <a:t>generate the 3d computer graphics model according to the imported 2D </a:t>
+            </a:r>
+            <a:r>
+              <a:rPr lang="en-GB" sz="2000" dirty="0" smtClean="0"/>
+              <a:t>floor </a:t>
+            </a:r>
+            <a:r>
+              <a:rPr lang="en-GB" sz="2000" dirty="0"/>
+              <a:t>plan. The 3D </a:t>
+            </a:r>
+            <a:r>
+              <a:rPr lang="en-GB" sz="2000" dirty="0" smtClean="0"/>
+              <a:t>modification function </a:t>
+            </a:r>
+            <a:r>
+              <a:rPr lang="en-GB" sz="2000" dirty="0"/>
+              <a:t>provides ability to change the texture of </a:t>
+            </a:r>
+            <a:r>
+              <a:rPr lang="en-GB" sz="2000" dirty="0" smtClean="0"/>
+              <a:t>floor </a:t>
+            </a:r>
+            <a:r>
+              <a:rPr lang="en-GB" sz="2000" dirty="0"/>
+              <a:t>and walls; moreover, it also enables users to </a:t>
+            </a:r>
+            <a:r>
+              <a:rPr lang="en-GB" sz="2000" dirty="0" smtClean="0"/>
+              <a:t>add furniture </a:t>
+            </a:r>
+            <a:r>
+              <a:rPr lang="en-GB" sz="2000" dirty="0"/>
+              <a:t>in 3D constructed model. User can look at 3D model from </a:t>
+            </a:r>
+            <a:r>
+              <a:rPr lang="en-GB" sz="2000" dirty="0" smtClean="0"/>
+              <a:t>different </a:t>
+            </a:r>
+            <a:r>
+              <a:rPr lang="en-GB" sz="2000" dirty="0"/>
+              <a:t>viewpoints i.e. </a:t>
+            </a:r>
+            <a:r>
+              <a:rPr lang="en-GB" sz="2000" dirty="0" smtClean="0"/>
+              <a:t>top-view, </a:t>
+            </a:r>
+            <a:r>
+              <a:rPr lang="en-US" sz="2000" dirty="0" smtClean="0"/>
+              <a:t>walk-through</a:t>
+            </a:r>
+            <a:r>
+              <a:rPr lang="en-US" sz="2000" dirty="0"/>
+              <a:t>, front-view and side-view.</a:t>
+            </a:r>
+            <a:endParaRPr lang="en-PK" sz="2000" dirty="0"/>
           </a:p>
         </p:txBody>
       </p:sp>
@@ -10559,10 +10655,10 @@
           <p:cNvPr id="8" name="Rectangle 7">
             <a:extLst>
               <a:ext uri="{FF2B5EF4-FFF2-40B4-BE49-F238E27FC236}">
-                <a16:creationId xmlns:a16="http://schemas.microsoft.com/office/drawing/2014/main" id="{3A3C2D7E-3F2E-404E-9B30-CB12DC972D50}"/>
+                <a16:creationId xmlns:a16="http://schemas.microsoft.com/office/drawing/2014/main" xmlns="" id="{3A3C2D7E-3F2E-404E-9B30-CB12DC972D50}"/>
               </a:ext>
               <a:ext uri="{C183D7F6-B498-43B3-948B-1728B52AA6E4}">
-                <adec:decorative xmlns:adec="http://schemas.microsoft.com/office/drawing/2017/decorative" val="1"/>
+                <adec:decorative xmlns:adec="http://schemas.microsoft.com/office/drawing/2017/decorative" xmlns="" val="1"/>
               </a:ext>
             </a:extLst>
           </p:cNvPr>
@@ -10572,7 +10668,7 @@
           <p:nvPr>
             <p:extLst>
               <p:ext uri="{386F3935-93C4-4BCD-93E2-E3B085C9AB24}">
-                <p16:designElem xmlns:p16="http://schemas.microsoft.com/office/powerpoint/2015/main" val="1"/>
+                <p16:designElem xmlns:p16="http://schemas.microsoft.com/office/powerpoint/2015/main" xmlns="" val="1"/>
               </p:ext>
             </p:extLst>
           </p:nvPr>
@@ -10619,10 +10715,10 @@
           <p:cNvPr id="10" name="Rectangle 9">
             <a:extLst>
               <a:ext uri="{FF2B5EF4-FFF2-40B4-BE49-F238E27FC236}">
-                <a16:creationId xmlns:a16="http://schemas.microsoft.com/office/drawing/2014/main" id="{F1F7FD00-BF97-4325-B7C2-E451F20840A7}"/>
+                <a16:creationId xmlns:a16="http://schemas.microsoft.com/office/drawing/2014/main" xmlns="" id="{F1F7FD00-BF97-4325-B7C2-E451F20840A7}"/>
               </a:ext>
               <a:ext uri="{C183D7F6-B498-43B3-948B-1728B52AA6E4}">
-                <adec:decorative xmlns:adec="http://schemas.microsoft.com/office/drawing/2017/decorative" val="1"/>
+                <adec:decorative xmlns:adec="http://schemas.microsoft.com/office/drawing/2017/decorative" xmlns="" val="1"/>
               </a:ext>
             </a:extLst>
           </p:cNvPr>
@@ -10632,7 +10728,7 @@
           <p:nvPr>
             <p:extLst>
               <p:ext uri="{386F3935-93C4-4BCD-93E2-E3B085C9AB24}">
-                <p16:designElem xmlns:p16="http://schemas.microsoft.com/office/powerpoint/2015/main" val="1"/>
+                <p16:designElem xmlns:p16="http://schemas.microsoft.com/office/powerpoint/2015/main" xmlns="" val="1"/>
               </p:ext>
             </p:extLst>
           </p:nvPr>
@@ -10675,7 +10771,7 @@
           <p:cNvPr id="2" name="Title 1">
             <a:extLst>
               <a:ext uri="{FF2B5EF4-FFF2-40B4-BE49-F238E27FC236}">
-                <a16:creationId xmlns:a16="http://schemas.microsoft.com/office/drawing/2014/main" id="{62E540F1-2380-4634-BD56-DBBD8B0EB077}"/>
+                <a16:creationId xmlns:a16="http://schemas.microsoft.com/office/drawing/2014/main" xmlns="" id="{62E540F1-2380-4634-BD56-DBBD8B0EB077}"/>
               </a:ext>
             </a:extLst>
           </p:cNvPr>
@@ -10719,10 +10815,10 @@
           <p:cNvPr id="12" name="Freeform 11">
             <a:extLst>
               <a:ext uri="{FF2B5EF4-FFF2-40B4-BE49-F238E27FC236}">
-                <a16:creationId xmlns:a16="http://schemas.microsoft.com/office/drawing/2014/main" id="{179B5294-DA4E-4926-B14A-DD6E07A12F67}"/>
+                <a16:creationId xmlns:a16="http://schemas.microsoft.com/office/drawing/2014/main" xmlns="" id="{179B5294-DA4E-4926-B14A-DD6E07A12F67}"/>
               </a:ext>
               <a:ext uri="{C183D7F6-B498-43B3-948B-1728B52AA6E4}">
-                <adec:decorative xmlns:adec="http://schemas.microsoft.com/office/drawing/2017/decorative" val="1"/>
+                <adec:decorative xmlns:adec="http://schemas.microsoft.com/office/drawing/2017/decorative" xmlns="" val="1"/>
               </a:ext>
             </a:extLst>
           </p:cNvPr>
@@ -10732,7 +10828,7 @@
           <p:nvPr>
             <p:extLst>
               <p:ext uri="{386F3935-93C4-4BCD-93E2-E3B085C9AB24}">
-                <p16:designElem xmlns:p16="http://schemas.microsoft.com/office/powerpoint/2015/main" val="1"/>
+                <p16:designElem xmlns:p16="http://schemas.microsoft.com/office/powerpoint/2015/main" xmlns="" val="1"/>
               </p:ext>
             </p:extLst>
           </p:nvPr>
@@ -10818,7 +10914,7 @@
           <p:cNvPr id="3" name="Content Placeholder 2">
             <a:extLst>
               <a:ext uri="{FF2B5EF4-FFF2-40B4-BE49-F238E27FC236}">
-                <a16:creationId xmlns:a16="http://schemas.microsoft.com/office/drawing/2014/main" id="{9C657378-D759-4613-A83A-E0D10AE57573}"/>
+                <a16:creationId xmlns:a16="http://schemas.microsoft.com/office/drawing/2014/main" xmlns="" id="{9C657378-D759-4613-A83A-E0D10AE57573}"/>
               </a:ext>
             </a:extLst>
           </p:cNvPr>
@@ -10831,8 +10927,8 @@
         </p:nvSpPr>
         <p:spPr>
           <a:xfrm>
-            <a:off x="1843392" y="2623930"/>
-            <a:ext cx="9383408" cy="3287292"/>
+            <a:off x="1843392" y="3065172"/>
+            <a:ext cx="9383408" cy="2846050"/>
           </a:xfrm>
         </p:spPr>
         <p:txBody>
@@ -10841,7 +10937,58 @@
           </a:bodyPr>
           <a:lstStyle/>
           <a:p>
-            <a:endParaRPr lang="en-PK"/>
+            <a:pPr marL="0" indent="0">
+              <a:buNone/>
+            </a:pPr>
+            <a:r>
+              <a:rPr lang="en-GB" sz="2000" dirty="0" smtClean="0"/>
+              <a:t>When </a:t>
+            </a:r>
+            <a:r>
+              <a:rPr lang="en-GB" sz="2000" dirty="0"/>
+              <a:t>anyone plans to construct a new at/house and can only see its </a:t>
+            </a:r>
+            <a:r>
+              <a:rPr lang="en-GB" sz="2000" dirty="0" smtClean="0"/>
+              <a:t>floor </a:t>
+            </a:r>
+            <a:r>
+              <a:rPr lang="en-GB" sz="2000" dirty="0"/>
+              <a:t>plan. So it's hard for </a:t>
+            </a:r>
+            <a:r>
+              <a:rPr lang="en-GB" sz="2000" dirty="0" smtClean="0"/>
+              <a:t>anyone to </a:t>
+            </a:r>
+            <a:r>
+              <a:rPr lang="en-GB" sz="2000" dirty="0"/>
+              <a:t>imagine the actual environment by just seeing 2-D </a:t>
+            </a:r>
+            <a:r>
+              <a:rPr lang="en-GB" sz="2000" dirty="0" smtClean="0"/>
+              <a:t>floor </a:t>
+            </a:r>
+            <a:r>
+              <a:rPr lang="en-GB" sz="2000" dirty="0"/>
+              <a:t>plan. So, our system will enable the users to </a:t>
+            </a:r>
+            <a:r>
+              <a:rPr lang="en-GB" sz="2000" dirty="0" smtClean="0"/>
+              <a:t>see this </a:t>
+            </a:r>
+            <a:r>
+              <a:rPr lang="en-GB" sz="2000" dirty="0"/>
+              <a:t>2-D </a:t>
+            </a:r>
+            <a:r>
+              <a:rPr lang="en-GB" sz="2000" dirty="0" smtClean="0"/>
+              <a:t>floor </a:t>
+            </a:r>
+            <a:r>
+              <a:rPr lang="en-GB" sz="2000" dirty="0"/>
+              <a:t>plan into 3-D.</a:t>
+            </a:r>
+            <a:endParaRPr lang="en-PK" sz="2000" dirty="0"/>
           </a:p>
         </p:txBody>
       </p:sp>
@@ -10906,10 +11053,10 @@
           <p:cNvPr id="8" name="Rectangle 7">
             <a:extLst>
               <a:ext uri="{FF2B5EF4-FFF2-40B4-BE49-F238E27FC236}">
-                <a16:creationId xmlns:a16="http://schemas.microsoft.com/office/drawing/2014/main" id="{3A3C2D7E-3F2E-404E-9B30-CB12DC972D50}"/>
+                <a16:creationId xmlns:a16="http://schemas.microsoft.com/office/drawing/2014/main" xmlns="" id="{3A3C2D7E-3F2E-404E-9B30-CB12DC972D50}"/>
               </a:ext>
               <a:ext uri="{C183D7F6-B498-43B3-948B-1728B52AA6E4}">
-                <adec:decorative xmlns:adec="http://schemas.microsoft.com/office/drawing/2017/decorative" val="1"/>
+                <adec:decorative xmlns:adec="http://schemas.microsoft.com/office/drawing/2017/decorative" xmlns="" val="1"/>
               </a:ext>
             </a:extLst>
           </p:cNvPr>
@@ -10919,7 +11066,7 @@
           <p:nvPr>
             <p:extLst>
               <p:ext uri="{386F3935-93C4-4BCD-93E2-E3B085C9AB24}">
-                <p16:designElem xmlns:p16="http://schemas.microsoft.com/office/powerpoint/2015/main" val="1"/>
+                <p16:designElem xmlns:p16="http://schemas.microsoft.com/office/powerpoint/2015/main" xmlns="" val="1"/>
               </p:ext>
             </p:extLst>
           </p:nvPr>
@@ -10966,10 +11113,10 @@
           <p:cNvPr id="10" name="Rectangle 9">
             <a:extLst>
               <a:ext uri="{FF2B5EF4-FFF2-40B4-BE49-F238E27FC236}">
-                <a16:creationId xmlns:a16="http://schemas.microsoft.com/office/drawing/2014/main" id="{F1F7FD00-BF97-4325-B7C2-E451F20840A7}"/>
+                <a16:creationId xmlns:a16="http://schemas.microsoft.com/office/drawing/2014/main" xmlns="" id="{F1F7FD00-BF97-4325-B7C2-E451F20840A7}"/>
               </a:ext>
               <a:ext uri="{C183D7F6-B498-43B3-948B-1728B52AA6E4}">
-                <adec:decorative xmlns:adec="http://schemas.microsoft.com/office/drawing/2017/decorative" val="1"/>
+                <adec:decorative xmlns:adec="http://schemas.microsoft.com/office/drawing/2017/decorative" xmlns="" val="1"/>
               </a:ext>
             </a:extLst>
           </p:cNvPr>
@@ -10979,7 +11126,7 @@
           <p:nvPr>
             <p:extLst>
               <p:ext uri="{386F3935-93C4-4BCD-93E2-E3B085C9AB24}">
-                <p16:designElem xmlns:p16="http://schemas.microsoft.com/office/powerpoint/2015/main" val="1"/>
+                <p16:designElem xmlns:p16="http://schemas.microsoft.com/office/powerpoint/2015/main" xmlns="" val="1"/>
               </p:ext>
             </p:extLst>
           </p:nvPr>
@@ -11022,7 +11169,7 @@
           <p:cNvPr id="2" name="Title 1">
             <a:extLst>
               <a:ext uri="{FF2B5EF4-FFF2-40B4-BE49-F238E27FC236}">
-                <a16:creationId xmlns:a16="http://schemas.microsoft.com/office/drawing/2014/main" id="{843E6C78-7685-4403-BADC-60464B539E9E}"/>
+                <a16:creationId xmlns:a16="http://schemas.microsoft.com/office/drawing/2014/main" xmlns="" id="{843E6C78-7685-4403-BADC-60464B539E9E}"/>
               </a:ext>
             </a:extLst>
           </p:cNvPr>
@@ -11066,10 +11213,10 @@
           <p:cNvPr id="12" name="Freeform 11">
             <a:extLst>
               <a:ext uri="{FF2B5EF4-FFF2-40B4-BE49-F238E27FC236}">
-                <a16:creationId xmlns:a16="http://schemas.microsoft.com/office/drawing/2014/main" id="{179B5294-DA4E-4926-B14A-DD6E07A12F67}"/>
+                <a16:creationId xmlns:a16="http://schemas.microsoft.com/office/drawing/2014/main" xmlns="" id="{179B5294-DA4E-4926-B14A-DD6E07A12F67}"/>
               </a:ext>
               <a:ext uri="{C183D7F6-B498-43B3-948B-1728B52AA6E4}">
-                <adec:decorative xmlns:adec="http://schemas.microsoft.com/office/drawing/2017/decorative" val="1"/>
+                <adec:decorative xmlns:adec="http://schemas.microsoft.com/office/drawing/2017/decorative" xmlns="" val="1"/>
               </a:ext>
             </a:extLst>
           </p:cNvPr>
@@ -11079,7 +11226,7 @@
           <p:nvPr>
             <p:extLst>
               <p:ext uri="{386F3935-93C4-4BCD-93E2-E3B085C9AB24}">
-                <p16:designElem xmlns:p16="http://schemas.microsoft.com/office/powerpoint/2015/main" val="1"/>
+                <p16:designElem xmlns:p16="http://schemas.microsoft.com/office/powerpoint/2015/main" xmlns="" val="1"/>
               </p:ext>
             </p:extLst>
           </p:nvPr>
@@ -11165,7 +11312,7 @@
           <p:cNvPr id="3" name="Content Placeholder 2">
             <a:extLst>
               <a:ext uri="{FF2B5EF4-FFF2-40B4-BE49-F238E27FC236}">
-                <a16:creationId xmlns:a16="http://schemas.microsoft.com/office/drawing/2014/main" id="{8655DB9D-1B3D-4B0F-94E2-81A0447A5E64}"/>
+                <a16:creationId xmlns:a16="http://schemas.microsoft.com/office/drawing/2014/main" xmlns="" id="{8655DB9D-1B3D-4B0F-94E2-81A0447A5E64}"/>
               </a:ext>
             </a:extLst>
           </p:cNvPr>
@@ -11178,8 +11325,8 @@
         </p:nvSpPr>
         <p:spPr>
           <a:xfrm>
-            <a:off x="1843392" y="2623930"/>
-            <a:ext cx="9383408" cy="3287292"/>
+            <a:off x="1843392" y="3000776"/>
+            <a:ext cx="9383408" cy="2910445"/>
           </a:xfrm>
         </p:spPr>
         <p:txBody>
@@ -11188,7 +11335,54 @@
           </a:bodyPr>
           <a:lstStyle/>
           <a:p>
-            <a:endParaRPr lang="en-PK"/>
+            <a:pPr marL="0" indent="0">
+              <a:buNone/>
+            </a:pPr>
+            <a:r>
+              <a:rPr lang="en-GB" dirty="0"/>
+              <a:t>A common user or an artist who does not know how their home look after construction and proper </a:t>
+            </a:r>
+            <a:r>
+              <a:rPr lang="en-GB" dirty="0" smtClean="0"/>
+              <a:t>adjustment of </a:t>
+            </a:r>
+            <a:r>
+              <a:rPr lang="en-GB" dirty="0"/>
+              <a:t>their accessories, it's a big platform for them to see their house in 3D more than their imagination</a:t>
+            </a:r>
+            <a:r>
+              <a:rPr lang="en-GB" dirty="0" smtClean="0"/>
+              <a:t>.</a:t>
+            </a:r>
+            <a:r>
+              <a:rPr lang="en-GB" dirty="0"/>
+              <a:t> Already existing such systems can only used by </a:t>
+            </a:r>
+            <a:r>
+              <a:rPr lang="en-GB" dirty="0" smtClean="0"/>
+              <a:t>technical users </a:t>
+            </a:r>
+            <a:r>
+              <a:rPr lang="en-GB" dirty="0"/>
+              <a:t>because a lot of manual work is required to construct 3D model from 2D le format. So, this </a:t>
+            </a:r>
+            <a:r>
+              <a:rPr lang="en-GB" dirty="0" smtClean="0"/>
+              <a:t>motivates us </a:t>
+            </a:r>
+            <a:r>
+              <a:rPr lang="en-GB" dirty="0"/>
+              <a:t>to automatically generate 3D model from an imported 2D </a:t>
+            </a:r>
+            <a:r>
+              <a:rPr lang="en-GB" dirty="0" smtClean="0"/>
+              <a:t>floor </a:t>
+            </a:r>
+            <a:r>
+              <a:rPr lang="en-GB" dirty="0"/>
+              <a:t>plan image by just clicking a button.</a:t>
+            </a:r>
+            <a:endParaRPr lang="en-PK" dirty="0"/>
           </a:p>
         </p:txBody>
       </p:sp>
@@ -11253,10 +11447,10 @@
           <p:cNvPr id="8" name="Rectangle 7">
             <a:extLst>
               <a:ext uri="{FF2B5EF4-FFF2-40B4-BE49-F238E27FC236}">
-                <a16:creationId xmlns:a16="http://schemas.microsoft.com/office/drawing/2014/main" id="{3A3C2D7E-3F2E-404E-9B30-CB12DC972D50}"/>
+                <a16:creationId xmlns:a16="http://schemas.microsoft.com/office/drawing/2014/main" xmlns="" id="{3A3C2D7E-3F2E-404E-9B30-CB12DC972D50}"/>
               </a:ext>
               <a:ext uri="{C183D7F6-B498-43B3-948B-1728B52AA6E4}">
-                <adec:decorative xmlns:adec="http://schemas.microsoft.com/office/drawing/2017/decorative" val="1"/>
+                <adec:decorative xmlns:adec="http://schemas.microsoft.com/office/drawing/2017/decorative" xmlns="" val="1"/>
               </a:ext>
             </a:extLst>
           </p:cNvPr>
@@ -11266,7 +11460,7 @@
           <p:nvPr>
             <p:extLst>
               <p:ext uri="{386F3935-93C4-4BCD-93E2-E3B085C9AB24}">
-                <p16:designElem xmlns:p16="http://schemas.microsoft.com/office/powerpoint/2015/main" val="1"/>
+                <p16:designElem xmlns:p16="http://schemas.microsoft.com/office/powerpoint/2015/main" xmlns="" val="1"/>
               </p:ext>
             </p:extLst>
           </p:nvPr>
@@ -11313,10 +11507,10 @@
           <p:cNvPr id="10" name="Rectangle 9">
             <a:extLst>
               <a:ext uri="{FF2B5EF4-FFF2-40B4-BE49-F238E27FC236}">
-                <a16:creationId xmlns:a16="http://schemas.microsoft.com/office/drawing/2014/main" id="{F1F7FD00-BF97-4325-B7C2-E451F20840A7}"/>
+                <a16:creationId xmlns:a16="http://schemas.microsoft.com/office/drawing/2014/main" xmlns="" id="{F1F7FD00-BF97-4325-B7C2-E451F20840A7}"/>
               </a:ext>
               <a:ext uri="{C183D7F6-B498-43B3-948B-1728B52AA6E4}">
-                <adec:decorative xmlns:adec="http://schemas.microsoft.com/office/drawing/2017/decorative" val="1"/>
+                <adec:decorative xmlns:adec="http://schemas.microsoft.com/office/drawing/2017/decorative" xmlns="" val="1"/>
               </a:ext>
             </a:extLst>
           </p:cNvPr>
@@ -11326,7 +11520,7 @@
           <p:nvPr>
             <p:extLst>
               <p:ext uri="{386F3935-93C4-4BCD-93E2-E3B085C9AB24}">
-                <p16:designElem xmlns:p16="http://schemas.microsoft.com/office/powerpoint/2015/main" val="1"/>
+                <p16:designElem xmlns:p16="http://schemas.microsoft.com/office/powerpoint/2015/main" xmlns="" val="1"/>
               </p:ext>
             </p:extLst>
           </p:nvPr>
@@ -11369,7 +11563,7 @@
           <p:cNvPr id="2" name="Title 1">
             <a:extLst>
               <a:ext uri="{FF2B5EF4-FFF2-40B4-BE49-F238E27FC236}">
-                <a16:creationId xmlns:a16="http://schemas.microsoft.com/office/drawing/2014/main" id="{0652C70D-7098-408E-880E-3F22F905AF82}"/>
+                <a16:creationId xmlns:a16="http://schemas.microsoft.com/office/drawing/2014/main" xmlns="" id="{0652C70D-7098-408E-880E-3F22F905AF82}"/>
               </a:ext>
             </a:extLst>
           </p:cNvPr>
@@ -11413,10 +11607,10 @@
           <p:cNvPr id="12" name="Freeform 11">
             <a:extLst>
               <a:ext uri="{FF2B5EF4-FFF2-40B4-BE49-F238E27FC236}">
-                <a16:creationId xmlns:a16="http://schemas.microsoft.com/office/drawing/2014/main" id="{179B5294-DA4E-4926-B14A-DD6E07A12F67}"/>
+                <a16:creationId xmlns:a16="http://schemas.microsoft.com/office/drawing/2014/main" xmlns="" id="{179B5294-DA4E-4926-B14A-DD6E07A12F67}"/>
               </a:ext>
               <a:ext uri="{C183D7F6-B498-43B3-948B-1728B52AA6E4}">
-                <adec:decorative xmlns:adec="http://schemas.microsoft.com/office/drawing/2017/decorative" val="1"/>
+                <adec:decorative xmlns:adec="http://schemas.microsoft.com/office/drawing/2017/decorative" xmlns="" val="1"/>
               </a:ext>
             </a:extLst>
           </p:cNvPr>
@@ -11426,7 +11620,7 @@
           <p:nvPr>
             <p:extLst>
               <p:ext uri="{386F3935-93C4-4BCD-93E2-E3B085C9AB24}">
-                <p16:designElem xmlns:p16="http://schemas.microsoft.com/office/powerpoint/2015/main" val="1"/>
+                <p16:designElem xmlns:p16="http://schemas.microsoft.com/office/powerpoint/2015/main" xmlns="" val="1"/>
               </p:ext>
             </p:extLst>
           </p:nvPr>
@@ -11512,7 +11706,7 @@
           <p:cNvPr id="3" name="Content Placeholder 2">
             <a:extLst>
               <a:ext uri="{FF2B5EF4-FFF2-40B4-BE49-F238E27FC236}">
-                <a16:creationId xmlns:a16="http://schemas.microsoft.com/office/drawing/2014/main" id="{B1C6EA51-866C-4C34-B123-039CBFDAA574}"/>
+                <a16:creationId xmlns:a16="http://schemas.microsoft.com/office/drawing/2014/main" xmlns="" id="{B1C6EA51-866C-4C34-B123-039CBFDAA574}"/>
               </a:ext>
             </a:extLst>
           </p:cNvPr>
@@ -11600,10 +11794,10 @@
           <p:cNvPr id="8" name="Rectangle 7">
             <a:extLst>
               <a:ext uri="{FF2B5EF4-FFF2-40B4-BE49-F238E27FC236}">
-                <a16:creationId xmlns:a16="http://schemas.microsoft.com/office/drawing/2014/main" id="{3A3C2D7E-3F2E-404E-9B30-CB12DC972D50}"/>
+                <a16:creationId xmlns:a16="http://schemas.microsoft.com/office/drawing/2014/main" xmlns="" id="{3A3C2D7E-3F2E-404E-9B30-CB12DC972D50}"/>
               </a:ext>
               <a:ext uri="{C183D7F6-B498-43B3-948B-1728B52AA6E4}">
-                <adec:decorative xmlns:adec="http://schemas.microsoft.com/office/drawing/2017/decorative" val="1"/>
+                <adec:decorative xmlns:adec="http://schemas.microsoft.com/office/drawing/2017/decorative" xmlns="" val="1"/>
               </a:ext>
             </a:extLst>
           </p:cNvPr>
@@ -11613,7 +11807,7 @@
           <p:nvPr>
             <p:extLst>
               <p:ext uri="{386F3935-93C4-4BCD-93E2-E3B085C9AB24}">
-                <p16:designElem xmlns:p16="http://schemas.microsoft.com/office/powerpoint/2015/main" val="1"/>
+                <p16:designElem xmlns:p16="http://schemas.microsoft.com/office/powerpoint/2015/main" xmlns="" val="1"/>
               </p:ext>
             </p:extLst>
           </p:nvPr>
@@ -11660,10 +11854,10 @@
           <p:cNvPr id="10" name="Rectangle 9">
             <a:extLst>
               <a:ext uri="{FF2B5EF4-FFF2-40B4-BE49-F238E27FC236}">
-                <a16:creationId xmlns:a16="http://schemas.microsoft.com/office/drawing/2014/main" id="{F1F7FD00-BF97-4325-B7C2-E451F20840A7}"/>
+                <a16:creationId xmlns:a16="http://schemas.microsoft.com/office/drawing/2014/main" xmlns="" id="{F1F7FD00-BF97-4325-B7C2-E451F20840A7}"/>
               </a:ext>
               <a:ext uri="{C183D7F6-B498-43B3-948B-1728B52AA6E4}">
-                <adec:decorative xmlns:adec="http://schemas.microsoft.com/office/drawing/2017/decorative" val="1"/>
+                <adec:decorative xmlns:adec="http://schemas.microsoft.com/office/drawing/2017/decorative" xmlns="" val="1"/>
               </a:ext>
             </a:extLst>
           </p:cNvPr>
@@ -11673,7 +11867,7 @@
           <p:nvPr>
             <p:extLst>
               <p:ext uri="{386F3935-93C4-4BCD-93E2-E3B085C9AB24}">
-                <p16:designElem xmlns:p16="http://schemas.microsoft.com/office/powerpoint/2015/main" val="1"/>
+                <p16:designElem xmlns:p16="http://schemas.microsoft.com/office/powerpoint/2015/main" xmlns="" val="1"/>
               </p:ext>
             </p:extLst>
           </p:nvPr>
@@ -11716,7 +11910,7 @@
           <p:cNvPr id="2" name="Title 1">
             <a:extLst>
               <a:ext uri="{FF2B5EF4-FFF2-40B4-BE49-F238E27FC236}">
-                <a16:creationId xmlns:a16="http://schemas.microsoft.com/office/drawing/2014/main" id="{DE3B8960-813F-40F3-987B-87A82D7317E3}"/>
+                <a16:creationId xmlns:a16="http://schemas.microsoft.com/office/drawing/2014/main" xmlns="" id="{DE3B8960-813F-40F3-987B-87A82D7317E3}"/>
               </a:ext>
             </a:extLst>
           </p:cNvPr>
@@ -11760,10 +11954,10 @@
           <p:cNvPr id="12" name="Freeform 11">
             <a:extLst>
               <a:ext uri="{FF2B5EF4-FFF2-40B4-BE49-F238E27FC236}">
-                <a16:creationId xmlns:a16="http://schemas.microsoft.com/office/drawing/2014/main" id="{179B5294-DA4E-4926-B14A-DD6E07A12F67}"/>
+                <a16:creationId xmlns:a16="http://schemas.microsoft.com/office/drawing/2014/main" xmlns="" id="{179B5294-DA4E-4926-B14A-DD6E07A12F67}"/>
               </a:ext>
               <a:ext uri="{C183D7F6-B498-43B3-948B-1728B52AA6E4}">
-                <adec:decorative xmlns:adec="http://schemas.microsoft.com/office/drawing/2017/decorative" val="1"/>
+                <adec:decorative xmlns:adec="http://schemas.microsoft.com/office/drawing/2017/decorative" xmlns="" val="1"/>
               </a:ext>
             </a:extLst>
           </p:cNvPr>
@@ -11773,7 +11967,7 @@
           <p:nvPr>
             <p:extLst>
               <p:ext uri="{386F3935-93C4-4BCD-93E2-E3B085C9AB24}">
-                <p16:designElem xmlns:p16="http://schemas.microsoft.com/office/powerpoint/2015/main" val="1"/>
+                <p16:designElem xmlns:p16="http://schemas.microsoft.com/office/powerpoint/2015/main" xmlns="" val="1"/>
               </p:ext>
             </p:extLst>
           </p:nvPr>
@@ -11859,7 +12053,7 @@
           <p:cNvPr id="3" name="Content Placeholder 2">
             <a:extLst>
               <a:ext uri="{FF2B5EF4-FFF2-40B4-BE49-F238E27FC236}">
-                <a16:creationId xmlns:a16="http://schemas.microsoft.com/office/drawing/2014/main" id="{AB422E80-8B43-49C7-B5F3-FA890E5A8DAC}"/>
+                <a16:creationId xmlns:a16="http://schemas.microsoft.com/office/drawing/2014/main" xmlns="" id="{AB422E80-8B43-49C7-B5F3-FA890E5A8DAC}"/>
               </a:ext>
             </a:extLst>
           </p:cNvPr>
@@ -11947,10 +12141,10 @@
           <p:cNvPr id="8" name="Rectangle 7">
             <a:extLst>
               <a:ext uri="{FF2B5EF4-FFF2-40B4-BE49-F238E27FC236}">
-                <a16:creationId xmlns:a16="http://schemas.microsoft.com/office/drawing/2014/main" id="{3A3C2D7E-3F2E-404E-9B30-CB12DC972D50}"/>
+                <a16:creationId xmlns:a16="http://schemas.microsoft.com/office/drawing/2014/main" xmlns="" id="{3A3C2D7E-3F2E-404E-9B30-CB12DC972D50}"/>
               </a:ext>
               <a:ext uri="{C183D7F6-B498-43B3-948B-1728B52AA6E4}">
-                <adec:decorative xmlns:adec="http://schemas.microsoft.com/office/drawing/2017/decorative" val="1"/>
+                <adec:decorative xmlns:adec="http://schemas.microsoft.com/office/drawing/2017/decorative" xmlns="" val="1"/>
               </a:ext>
             </a:extLst>
           </p:cNvPr>
@@ -11960,7 +12154,7 @@
           <p:nvPr>
             <p:extLst>
               <p:ext uri="{386F3935-93C4-4BCD-93E2-E3B085C9AB24}">
-                <p16:designElem xmlns:p16="http://schemas.microsoft.com/office/powerpoint/2015/main" val="1"/>
+                <p16:designElem xmlns:p16="http://schemas.microsoft.com/office/powerpoint/2015/main" xmlns="" val="1"/>
               </p:ext>
             </p:extLst>
           </p:nvPr>
@@ -12007,10 +12201,10 @@
           <p:cNvPr id="10" name="Rectangle 9">
             <a:extLst>
               <a:ext uri="{FF2B5EF4-FFF2-40B4-BE49-F238E27FC236}">
-                <a16:creationId xmlns:a16="http://schemas.microsoft.com/office/drawing/2014/main" id="{F1F7FD00-BF97-4325-B7C2-E451F20840A7}"/>
+                <a16:creationId xmlns:a16="http://schemas.microsoft.com/office/drawing/2014/main" xmlns="" id="{F1F7FD00-BF97-4325-B7C2-E451F20840A7}"/>
               </a:ext>
               <a:ext uri="{C183D7F6-B498-43B3-948B-1728B52AA6E4}">
-                <adec:decorative xmlns:adec="http://schemas.microsoft.com/office/drawing/2017/decorative" val="1"/>
+                <adec:decorative xmlns:adec="http://schemas.microsoft.com/office/drawing/2017/decorative" xmlns="" val="1"/>
               </a:ext>
             </a:extLst>
           </p:cNvPr>
@@ -12020,7 +12214,7 @@
           <p:nvPr>
             <p:extLst>
               <p:ext uri="{386F3935-93C4-4BCD-93E2-E3B085C9AB24}">
-                <p16:designElem xmlns:p16="http://schemas.microsoft.com/office/powerpoint/2015/main" val="1"/>
+                <p16:designElem xmlns:p16="http://schemas.microsoft.com/office/powerpoint/2015/main" xmlns="" val="1"/>
               </p:ext>
             </p:extLst>
           </p:nvPr>
@@ -12063,7 +12257,7 @@
           <p:cNvPr id="2" name="Title 1">
             <a:extLst>
               <a:ext uri="{FF2B5EF4-FFF2-40B4-BE49-F238E27FC236}">
-                <a16:creationId xmlns:a16="http://schemas.microsoft.com/office/drawing/2014/main" id="{2A87B431-52D1-443E-8FC5-EBEABF21BD8E}"/>
+                <a16:creationId xmlns:a16="http://schemas.microsoft.com/office/drawing/2014/main" xmlns="" id="{2A87B431-52D1-443E-8FC5-EBEABF21BD8E}"/>
               </a:ext>
             </a:extLst>
           </p:cNvPr>
@@ -12107,10 +12301,10 @@
           <p:cNvPr id="12" name="Freeform 11">
             <a:extLst>
               <a:ext uri="{FF2B5EF4-FFF2-40B4-BE49-F238E27FC236}">
-                <a16:creationId xmlns:a16="http://schemas.microsoft.com/office/drawing/2014/main" id="{179B5294-DA4E-4926-B14A-DD6E07A12F67}"/>
+                <a16:creationId xmlns:a16="http://schemas.microsoft.com/office/drawing/2014/main" xmlns="" id="{179B5294-DA4E-4926-B14A-DD6E07A12F67}"/>
               </a:ext>
               <a:ext uri="{C183D7F6-B498-43B3-948B-1728B52AA6E4}">
-                <adec:decorative xmlns:adec="http://schemas.microsoft.com/office/drawing/2017/decorative" val="1"/>
+                <adec:decorative xmlns:adec="http://schemas.microsoft.com/office/drawing/2017/decorative" xmlns="" val="1"/>
               </a:ext>
             </a:extLst>
           </p:cNvPr>
@@ -12120,7 +12314,7 @@
           <p:nvPr>
             <p:extLst>
               <p:ext uri="{386F3935-93C4-4BCD-93E2-E3B085C9AB24}">
-                <p16:designElem xmlns:p16="http://schemas.microsoft.com/office/powerpoint/2015/main" val="1"/>
+                <p16:designElem xmlns:p16="http://schemas.microsoft.com/office/powerpoint/2015/main" xmlns="" val="1"/>
               </p:ext>
             </p:extLst>
           </p:nvPr>
@@ -12206,7 +12400,7 @@
           <p:cNvPr id="3" name="Content Placeholder 2">
             <a:extLst>
               <a:ext uri="{FF2B5EF4-FFF2-40B4-BE49-F238E27FC236}">
-                <a16:creationId xmlns:a16="http://schemas.microsoft.com/office/drawing/2014/main" id="{D756A2E4-7DAC-45C3-B589-7CEFB333C216}"/>
+                <a16:creationId xmlns:a16="http://schemas.microsoft.com/office/drawing/2014/main" xmlns="" id="{D756A2E4-7DAC-45C3-B589-7CEFB333C216}"/>
               </a:ext>
             </a:extLst>
           </p:cNvPr>
@@ -12294,10 +12488,10 @@
           <p:cNvPr id="8" name="Rectangle 7">
             <a:extLst>
               <a:ext uri="{FF2B5EF4-FFF2-40B4-BE49-F238E27FC236}">
-                <a16:creationId xmlns:a16="http://schemas.microsoft.com/office/drawing/2014/main" id="{3A3C2D7E-3F2E-404E-9B30-CB12DC972D50}"/>
+                <a16:creationId xmlns:a16="http://schemas.microsoft.com/office/drawing/2014/main" xmlns="" id="{3A3C2D7E-3F2E-404E-9B30-CB12DC972D50}"/>
               </a:ext>
               <a:ext uri="{C183D7F6-B498-43B3-948B-1728B52AA6E4}">
-                <adec:decorative xmlns:adec="http://schemas.microsoft.com/office/drawing/2017/decorative" val="1"/>
+                <adec:decorative xmlns:adec="http://schemas.microsoft.com/office/drawing/2017/decorative" xmlns="" val="1"/>
               </a:ext>
             </a:extLst>
           </p:cNvPr>
@@ -12307,7 +12501,7 @@
           <p:nvPr>
             <p:extLst>
               <p:ext uri="{386F3935-93C4-4BCD-93E2-E3B085C9AB24}">
-                <p16:designElem xmlns:p16="http://schemas.microsoft.com/office/powerpoint/2015/main" val="1"/>
+                <p16:designElem xmlns:p16="http://schemas.microsoft.com/office/powerpoint/2015/main" xmlns="" val="1"/>
               </p:ext>
             </p:extLst>
           </p:nvPr>
@@ -12354,10 +12548,10 @@
           <p:cNvPr id="10" name="Rectangle 9">
             <a:extLst>
               <a:ext uri="{FF2B5EF4-FFF2-40B4-BE49-F238E27FC236}">
-                <a16:creationId xmlns:a16="http://schemas.microsoft.com/office/drawing/2014/main" id="{F1F7FD00-BF97-4325-B7C2-E451F20840A7}"/>
+                <a16:creationId xmlns:a16="http://schemas.microsoft.com/office/drawing/2014/main" xmlns="" id="{F1F7FD00-BF97-4325-B7C2-E451F20840A7}"/>
               </a:ext>
               <a:ext uri="{C183D7F6-B498-43B3-948B-1728B52AA6E4}">
-                <adec:decorative xmlns:adec="http://schemas.microsoft.com/office/drawing/2017/decorative" val="1"/>
+                <adec:decorative xmlns:adec="http://schemas.microsoft.com/office/drawing/2017/decorative" xmlns="" val="1"/>
               </a:ext>
             </a:extLst>
           </p:cNvPr>
@@ -12367,7 +12561,7 @@
           <p:nvPr>
             <p:extLst>
               <p:ext uri="{386F3935-93C4-4BCD-93E2-E3B085C9AB24}">
-                <p16:designElem xmlns:p16="http://schemas.microsoft.com/office/powerpoint/2015/main" val="1"/>
+                <p16:designElem xmlns:p16="http://schemas.microsoft.com/office/powerpoint/2015/main" xmlns="" val="1"/>
               </p:ext>
             </p:extLst>
           </p:nvPr>
@@ -12410,7 +12604,7 @@
           <p:cNvPr id="2" name="Title 1">
             <a:extLst>
               <a:ext uri="{FF2B5EF4-FFF2-40B4-BE49-F238E27FC236}">
-                <a16:creationId xmlns:a16="http://schemas.microsoft.com/office/drawing/2014/main" id="{3B8A4B89-B2B3-4944-A853-1D91B1B61CA4}"/>
+                <a16:creationId xmlns:a16="http://schemas.microsoft.com/office/drawing/2014/main" xmlns="" id="{3B8A4B89-B2B3-4944-A853-1D91B1B61CA4}"/>
               </a:ext>
             </a:extLst>
           </p:cNvPr>
@@ -12454,10 +12648,10 @@
           <p:cNvPr id="12" name="Freeform 11">
             <a:extLst>
               <a:ext uri="{FF2B5EF4-FFF2-40B4-BE49-F238E27FC236}">
-                <a16:creationId xmlns:a16="http://schemas.microsoft.com/office/drawing/2014/main" id="{179B5294-DA4E-4926-B14A-DD6E07A12F67}"/>
+                <a16:creationId xmlns:a16="http://schemas.microsoft.com/office/drawing/2014/main" xmlns="" id="{179B5294-DA4E-4926-B14A-DD6E07A12F67}"/>
               </a:ext>
               <a:ext uri="{C183D7F6-B498-43B3-948B-1728B52AA6E4}">
-                <adec:decorative xmlns:adec="http://schemas.microsoft.com/office/drawing/2017/decorative" val="1"/>
+                <adec:decorative xmlns:adec="http://schemas.microsoft.com/office/drawing/2017/decorative" xmlns="" val="1"/>
               </a:ext>
             </a:extLst>
           </p:cNvPr>
@@ -12467,7 +12661,7 @@
           <p:nvPr>
             <p:extLst>
               <p:ext uri="{386F3935-93C4-4BCD-93E2-E3B085C9AB24}">
-                <p16:designElem xmlns:p16="http://schemas.microsoft.com/office/powerpoint/2015/main" val="1"/>
+                <p16:designElem xmlns:p16="http://schemas.microsoft.com/office/powerpoint/2015/main" xmlns="" val="1"/>
               </p:ext>
             </p:extLst>
           </p:nvPr>
@@ -12553,7 +12747,7 @@
           <p:cNvPr id="3" name="Content Placeholder 2">
             <a:extLst>
               <a:ext uri="{FF2B5EF4-FFF2-40B4-BE49-F238E27FC236}">
-                <a16:creationId xmlns:a16="http://schemas.microsoft.com/office/drawing/2014/main" id="{5C3A1888-B33C-438A-BE29-8C9AB6E5EAF5}"/>
+                <a16:creationId xmlns:a16="http://schemas.microsoft.com/office/drawing/2014/main" xmlns="" id="{5C3A1888-B33C-438A-BE29-8C9AB6E5EAF5}"/>
               </a:ext>
             </a:extLst>
           </p:cNvPr>
@@ -12641,10 +12835,10 @@
           <p:cNvPr id="8" name="Rectangle 7">
             <a:extLst>
               <a:ext uri="{FF2B5EF4-FFF2-40B4-BE49-F238E27FC236}">
-                <a16:creationId xmlns:a16="http://schemas.microsoft.com/office/drawing/2014/main" id="{3A3C2D7E-3F2E-404E-9B30-CB12DC972D50}"/>
+                <a16:creationId xmlns:a16="http://schemas.microsoft.com/office/drawing/2014/main" xmlns="" id="{3A3C2D7E-3F2E-404E-9B30-CB12DC972D50}"/>
               </a:ext>
               <a:ext uri="{C183D7F6-B498-43B3-948B-1728B52AA6E4}">
-                <adec:decorative xmlns:adec="http://schemas.microsoft.com/office/drawing/2017/decorative" val="1"/>
+                <adec:decorative xmlns:adec="http://schemas.microsoft.com/office/drawing/2017/decorative" xmlns="" val="1"/>
               </a:ext>
             </a:extLst>
           </p:cNvPr>
@@ -12654,7 +12848,7 @@
           <p:nvPr>
             <p:extLst>
               <p:ext uri="{386F3935-93C4-4BCD-93E2-E3B085C9AB24}">
-                <p16:designElem xmlns:p16="http://schemas.microsoft.com/office/powerpoint/2015/main" val="1"/>
+                <p16:designElem xmlns:p16="http://schemas.microsoft.com/office/powerpoint/2015/main" xmlns="" val="1"/>
               </p:ext>
             </p:extLst>
           </p:nvPr>
@@ -12701,10 +12895,10 @@
           <p:cNvPr id="10" name="Rectangle 9">
             <a:extLst>
               <a:ext uri="{FF2B5EF4-FFF2-40B4-BE49-F238E27FC236}">
-                <a16:creationId xmlns:a16="http://schemas.microsoft.com/office/drawing/2014/main" id="{F1F7FD00-BF97-4325-B7C2-E451F20840A7}"/>
+                <a16:creationId xmlns:a16="http://schemas.microsoft.com/office/drawing/2014/main" xmlns="" id="{F1F7FD00-BF97-4325-B7C2-E451F20840A7}"/>
               </a:ext>
               <a:ext uri="{C183D7F6-B498-43B3-948B-1728B52AA6E4}">
-                <adec:decorative xmlns:adec="http://schemas.microsoft.com/office/drawing/2017/decorative" val="1"/>
+                <adec:decorative xmlns:adec="http://schemas.microsoft.com/office/drawing/2017/decorative" xmlns="" val="1"/>
               </a:ext>
             </a:extLst>
           </p:cNvPr>
@@ -12714,7 +12908,7 @@
           <p:nvPr>
             <p:extLst>
               <p:ext uri="{386F3935-93C4-4BCD-93E2-E3B085C9AB24}">
-                <p16:designElem xmlns:p16="http://schemas.microsoft.com/office/powerpoint/2015/main" val="1"/>
+                <p16:designElem xmlns:p16="http://schemas.microsoft.com/office/powerpoint/2015/main" xmlns="" val="1"/>
               </p:ext>
             </p:extLst>
           </p:nvPr>
@@ -12757,7 +12951,7 @@
           <p:cNvPr id="2" name="Title 1">
             <a:extLst>
               <a:ext uri="{FF2B5EF4-FFF2-40B4-BE49-F238E27FC236}">
-                <a16:creationId xmlns:a16="http://schemas.microsoft.com/office/drawing/2014/main" id="{C60221F0-E61F-4AD3-B683-685CA8D02591}"/>
+                <a16:creationId xmlns:a16="http://schemas.microsoft.com/office/drawing/2014/main" xmlns="" id="{C60221F0-E61F-4AD3-B683-685CA8D02591}"/>
               </a:ext>
             </a:extLst>
           </p:cNvPr>
@@ -12801,10 +12995,10 @@
           <p:cNvPr id="12" name="Freeform 11">
             <a:extLst>
               <a:ext uri="{FF2B5EF4-FFF2-40B4-BE49-F238E27FC236}">
-                <a16:creationId xmlns:a16="http://schemas.microsoft.com/office/drawing/2014/main" id="{179B5294-DA4E-4926-B14A-DD6E07A12F67}"/>
+                <a16:creationId xmlns:a16="http://schemas.microsoft.com/office/drawing/2014/main" xmlns="" id="{179B5294-DA4E-4926-B14A-DD6E07A12F67}"/>
               </a:ext>
               <a:ext uri="{C183D7F6-B498-43B3-948B-1728B52AA6E4}">
-                <adec:decorative xmlns:adec="http://schemas.microsoft.com/office/drawing/2017/decorative" val="1"/>
+                <adec:decorative xmlns:adec="http://schemas.microsoft.com/office/drawing/2017/decorative" xmlns="" val="1"/>
               </a:ext>
             </a:extLst>
           </p:cNvPr>
@@ -12814,7 +13008,7 @@
           <p:nvPr>
             <p:extLst>
               <p:ext uri="{386F3935-93C4-4BCD-93E2-E3B085C9AB24}">
-                <p16:designElem xmlns:p16="http://schemas.microsoft.com/office/powerpoint/2015/main" val="1"/>
+                <p16:designElem xmlns:p16="http://schemas.microsoft.com/office/powerpoint/2015/main" xmlns="" val="1"/>
               </p:ext>
             </p:extLst>
           </p:nvPr>
@@ -12900,7 +13094,7 @@
           <p:cNvPr id="3" name="Content Placeholder 2">
             <a:extLst>
               <a:ext uri="{FF2B5EF4-FFF2-40B4-BE49-F238E27FC236}">
-                <a16:creationId xmlns:a16="http://schemas.microsoft.com/office/drawing/2014/main" id="{66B44562-E5EF-4950-B1F8-A0575CB9B0D8}"/>
+                <a16:creationId xmlns:a16="http://schemas.microsoft.com/office/drawing/2014/main" xmlns="" id="{66B44562-E5EF-4950-B1F8-A0575CB9B0D8}"/>
               </a:ext>
             </a:extLst>
           </p:cNvPr>
@@ -13177,7 +13371,7 @@
   <a:extraClrSchemeLst/>
   <a:extLst>
     <a:ext uri="{05A4C25C-085E-4340-85A3-A5531E510DB2}">
-      <thm15:themeFamily xmlns:thm15="http://schemas.microsoft.com/office/thememl/2012/main" name="Wisp" id="{7CB32D59-10C0-40DD-B7BD-2E94284A981C}" vid="{24B1A44C-C006-48B2-A4D7-E5549B3D8CD4}"/>
+      <thm15:themeFamily xmlns:thm15="http://schemas.microsoft.com/office/thememl/2012/main" xmlns="" name="Wisp" id="{7CB32D59-10C0-40DD-B7BD-2E94284A981C}" vid="{24B1A44C-C006-48B2-A4D7-E5549B3D8CD4}"/>
     </a:ext>
   </a:extLst>
 </a:theme>
